--- a/Public Transport in Toronto.pptx
+++ b/Public Transport in Toronto.pptx
@@ -110,7 +110,162 @@
       </a:defRPr>
     </a:lvl9pPr>
   </p:defaultTextStyle>
+  <p:extLst>
+    <p:ext uri="{EFAFB233-063F-42B5-8137-9DF3F51BA10A}">
+      <p15:sldGuideLst xmlns:p15="http://schemas.microsoft.com/office/powerpoint/2012/main"/>
+    </p:ext>
+  </p:extLst>
 </p:presentation>
+</file>
+
+<file path=ppt/revisionInfo.xml><?xml version="1.0" encoding="utf-8"?>
+<p1510:revInfo xmlns:a="http://schemas.openxmlformats.org/drawingml/2006/main" xmlns:r="http://schemas.openxmlformats.org/officeDocument/2006/relationships" xmlns:p1510="http://schemas.microsoft.com/office/powerpoint/2015/10/main">
+  <p1510:revLst>
+    <p1510:client id="{55A19156-FC46-492C-8880-8627A12F0A8F}" v="20" dt="2021-12-20T03:04:04.787"/>
+  </p1510:revLst>
+</p1510:revInfo>
+</file>
+
+<file path=ppt/changesInfos/changesInfo1.xml><?xml version="1.0" encoding="utf-8"?>
+<pc:chgInfo xmlns:a="http://schemas.openxmlformats.org/drawingml/2006/main" xmlns:r="http://schemas.openxmlformats.org/officeDocument/2006/relationships" xmlns:ac="http://schemas.microsoft.com/office/drawing/2013/main/command" xmlns:pc="http://schemas.microsoft.com/office/powerpoint/2013/main/command">
+  <pc:docChgLst>
+    <pc:chgData name="Shimon Nauenberg" userId="00b685ad-6d54-469b-8db2-7028a0feedcb" providerId="ADAL" clId="{55A19156-FC46-492C-8880-8627A12F0A8F}"/>
+    <pc:docChg chg="undo custSel addSld delSld modSld">
+      <pc:chgData name="Shimon Nauenberg" userId="00b685ad-6d54-469b-8db2-7028a0feedcb" providerId="ADAL" clId="{55A19156-FC46-492C-8880-8627A12F0A8F}" dt="2021-12-20T03:05:09.350" v="572" actId="20577"/>
+      <pc:docMkLst>
+        <pc:docMk/>
+      </pc:docMkLst>
+      <pc:sldChg chg="addSp modSp mod">
+        <pc:chgData name="Shimon Nauenberg" userId="00b685ad-6d54-469b-8db2-7028a0feedcb" providerId="ADAL" clId="{55A19156-FC46-492C-8880-8627A12F0A8F}" dt="2021-12-20T03:05:09.350" v="572" actId="20577"/>
+        <pc:sldMkLst>
+          <pc:docMk/>
+          <pc:sldMk cId="839489211" sldId="256"/>
+        </pc:sldMkLst>
+        <pc:spChg chg="mod">
+          <ac:chgData name="Shimon Nauenberg" userId="00b685ad-6d54-469b-8db2-7028a0feedcb" providerId="ADAL" clId="{55A19156-FC46-492C-8880-8627A12F0A8F}" dt="2021-12-20T03:02:11.591" v="523" actId="27636"/>
+          <ac:spMkLst>
+            <pc:docMk/>
+            <pc:sldMk cId="839489211" sldId="256"/>
+            <ac:spMk id="2" creationId="{31A92B16-13A5-4792-8532-CF7DBA595556}"/>
+          </ac:spMkLst>
+        </pc:spChg>
+        <pc:spChg chg="add mod">
+          <ac:chgData name="Shimon Nauenberg" userId="00b685ad-6d54-469b-8db2-7028a0feedcb" providerId="ADAL" clId="{55A19156-FC46-492C-8880-8627A12F0A8F}" dt="2021-12-20T03:05:09.350" v="572" actId="20577"/>
+          <ac:spMkLst>
+            <pc:docMk/>
+            <pc:sldMk cId="839489211" sldId="256"/>
+            <ac:spMk id="3" creationId="{DF73A72D-BBE8-45CA-A444-74E09AE67F26}"/>
+          </ac:spMkLst>
+        </pc:spChg>
+      </pc:sldChg>
+      <pc:sldChg chg="modSp mod">
+        <pc:chgData name="Shimon Nauenberg" userId="00b685ad-6d54-469b-8db2-7028a0feedcb" providerId="ADAL" clId="{55A19156-FC46-492C-8880-8627A12F0A8F}" dt="2021-12-20T02:48:32.226" v="7" actId="20577"/>
+        <pc:sldMkLst>
+          <pc:docMk/>
+          <pc:sldMk cId="2182499856" sldId="257"/>
+        </pc:sldMkLst>
+        <pc:spChg chg="mod">
+          <ac:chgData name="Shimon Nauenberg" userId="00b685ad-6d54-469b-8db2-7028a0feedcb" providerId="ADAL" clId="{55A19156-FC46-492C-8880-8627A12F0A8F}" dt="2021-12-20T02:48:32.226" v="7" actId="20577"/>
+          <ac:spMkLst>
+            <pc:docMk/>
+            <pc:sldMk cId="2182499856" sldId="257"/>
+            <ac:spMk id="3" creationId="{AEDC37B9-3468-4C9C-BD49-4433D727C7FD}"/>
+          </ac:spMkLst>
+        </pc:spChg>
+      </pc:sldChg>
+      <pc:sldChg chg="modSp mod modAnim">
+        <pc:chgData name="Shimon Nauenberg" userId="00b685ad-6d54-469b-8db2-7028a0feedcb" providerId="ADAL" clId="{55A19156-FC46-492C-8880-8627A12F0A8F}" dt="2021-12-20T02:59:23.111" v="466"/>
+        <pc:sldMkLst>
+          <pc:docMk/>
+          <pc:sldMk cId="4075398939" sldId="258"/>
+        </pc:sldMkLst>
+        <pc:spChg chg="mod">
+          <ac:chgData name="Shimon Nauenberg" userId="00b685ad-6d54-469b-8db2-7028a0feedcb" providerId="ADAL" clId="{55A19156-FC46-492C-8880-8627A12F0A8F}" dt="2021-12-20T02:48:51.010" v="17" actId="20577"/>
+          <ac:spMkLst>
+            <pc:docMk/>
+            <pc:sldMk cId="4075398939" sldId="258"/>
+            <ac:spMk id="2" creationId="{12BF440E-FCA1-49F5-8801-F38F54C5D534}"/>
+          </ac:spMkLst>
+        </pc:spChg>
+        <pc:spChg chg="mod">
+          <ac:chgData name="Shimon Nauenberg" userId="00b685ad-6d54-469b-8db2-7028a0feedcb" providerId="ADAL" clId="{55A19156-FC46-492C-8880-8627A12F0A8F}" dt="2021-12-20T02:57:55.989" v="452" actId="20577"/>
+          <ac:spMkLst>
+            <pc:docMk/>
+            <pc:sldMk cId="4075398939" sldId="258"/>
+            <ac:spMk id="3" creationId="{AEDC37B9-3468-4C9C-BD49-4433D727C7FD}"/>
+          </ac:spMkLst>
+        </pc:spChg>
+      </pc:sldChg>
+      <pc:sldChg chg="modSp mod modAnim">
+        <pc:chgData name="Shimon Nauenberg" userId="00b685ad-6d54-469b-8db2-7028a0feedcb" providerId="ADAL" clId="{55A19156-FC46-492C-8880-8627A12F0A8F}" dt="2021-12-20T03:00:07.688" v="489"/>
+        <pc:sldMkLst>
+          <pc:docMk/>
+          <pc:sldMk cId="3132157645" sldId="259"/>
+        </pc:sldMkLst>
+        <pc:spChg chg="mod">
+          <ac:chgData name="Shimon Nauenberg" userId="00b685ad-6d54-469b-8db2-7028a0feedcb" providerId="ADAL" clId="{55A19156-FC46-492C-8880-8627A12F0A8F}" dt="2021-12-20T02:59:51.420" v="487" actId="20577"/>
+          <ac:spMkLst>
+            <pc:docMk/>
+            <pc:sldMk cId="3132157645" sldId="259"/>
+            <ac:spMk id="3" creationId="{AEDC37B9-3468-4C9C-BD49-4433D727C7FD}"/>
+          </ac:spMkLst>
+        </pc:spChg>
+      </pc:sldChg>
+      <pc:sldChg chg="modSp mod modAnim">
+        <pc:chgData name="Shimon Nauenberg" userId="00b685ad-6d54-469b-8db2-7028a0feedcb" providerId="ADAL" clId="{55A19156-FC46-492C-8880-8627A12F0A8F}" dt="2021-12-20T03:00:38.588" v="495"/>
+        <pc:sldMkLst>
+          <pc:docMk/>
+          <pc:sldMk cId="2994569637" sldId="260"/>
+        </pc:sldMkLst>
+        <pc:spChg chg="mod">
+          <ac:chgData name="Shimon Nauenberg" userId="00b685ad-6d54-469b-8db2-7028a0feedcb" providerId="ADAL" clId="{55A19156-FC46-492C-8880-8627A12F0A8F}" dt="2021-12-20T03:00:32.136" v="494" actId="20577"/>
+          <ac:spMkLst>
+            <pc:docMk/>
+            <pc:sldMk cId="2994569637" sldId="260"/>
+            <ac:spMk id="3" creationId="{73FC316A-A610-402D-918D-3C30BF8E1033}"/>
+          </ac:spMkLst>
+        </pc:spChg>
+      </pc:sldChg>
+      <pc:sldChg chg="modSp mod modAnim">
+        <pc:chgData name="Shimon Nauenberg" userId="00b685ad-6d54-469b-8db2-7028a0feedcb" providerId="ADAL" clId="{55A19156-FC46-492C-8880-8627A12F0A8F}" dt="2021-12-20T03:01:08.915" v="502"/>
+        <pc:sldMkLst>
+          <pc:docMk/>
+          <pc:sldMk cId="3360994864" sldId="261"/>
+        </pc:sldMkLst>
+        <pc:spChg chg="mod">
+          <ac:chgData name="Shimon Nauenberg" userId="00b685ad-6d54-469b-8db2-7028a0feedcb" providerId="ADAL" clId="{55A19156-FC46-492C-8880-8627A12F0A8F}" dt="2021-12-20T03:00:46.491" v="498" actId="20577"/>
+          <ac:spMkLst>
+            <pc:docMk/>
+            <pc:sldMk cId="3360994864" sldId="261"/>
+            <ac:spMk id="3" creationId="{5C099609-0FC1-4AB4-8B82-CCE8D6DFDF71}"/>
+          </ac:spMkLst>
+        </pc:spChg>
+      </pc:sldChg>
+      <pc:sldChg chg="modSp modAnim">
+        <pc:chgData name="Shimon Nauenberg" userId="00b685ad-6d54-469b-8db2-7028a0feedcb" providerId="ADAL" clId="{55A19156-FC46-492C-8880-8627A12F0A8F}" dt="2021-12-20T03:01:28.139" v="504" actId="255"/>
+        <pc:sldMkLst>
+          <pc:docMk/>
+          <pc:sldMk cId="384341828" sldId="262"/>
+        </pc:sldMkLst>
+        <pc:spChg chg="mod">
+          <ac:chgData name="Shimon Nauenberg" userId="00b685ad-6d54-469b-8db2-7028a0feedcb" providerId="ADAL" clId="{55A19156-FC46-492C-8880-8627A12F0A8F}" dt="2021-12-20T03:01:28.139" v="504" actId="255"/>
+          <ac:spMkLst>
+            <pc:docMk/>
+            <pc:sldMk cId="384341828" sldId="262"/>
+            <ac:spMk id="2" creationId="{BD91D618-B7E3-4668-A175-DC4FA95F8372}"/>
+          </ac:spMkLst>
+        </pc:spChg>
+      </pc:sldChg>
+      <pc:sldChg chg="new del">
+        <pc:chgData name="Shimon Nauenberg" userId="00b685ad-6d54-469b-8db2-7028a0feedcb" providerId="ADAL" clId="{55A19156-FC46-492C-8880-8627A12F0A8F}" dt="2021-12-20T02:54:30.338" v="112" actId="2696"/>
+        <pc:sldMkLst>
+          <pc:docMk/>
+          <pc:sldMk cId="1473983400" sldId="263"/>
+        </pc:sldMkLst>
+      </pc:sldChg>
+    </pc:docChg>
+  </pc:docChgLst>
+</pc:chgInfo>
 </file>
 
 <file path=ppt/slideLayouts/slideLayout1.xml><?xml version="1.0" encoding="utf-8"?>
@@ -6102,13 +6257,80 @@
         </p:nvSpPr>
         <p:spPr/>
         <p:txBody>
-          <a:bodyPr/>
+          <a:bodyPr>
+            <a:normAutofit/>
+          </a:bodyPr>
           <a:lstStyle/>
           <a:p>
+            <a:pPr algn="ctr"/>
             <a:r>
               <a:rPr lang="en-CA" dirty="0"/>
-              <a:t>Public Transport in Toronto</a:t>
-            </a:r>
+              <a:t>Public Transportation in Toronto</a:t>
+            </a:r>
+          </a:p>
+        </p:txBody>
+      </p:sp>
+      <p:sp>
+        <p:nvSpPr>
+          <p:cNvPr id="3" name="TextBox 2">
+            <a:extLst>
+              <a:ext uri="{FF2B5EF4-FFF2-40B4-BE49-F238E27FC236}">
+                <a16:creationId xmlns:a16="http://schemas.microsoft.com/office/drawing/2014/main" id="{DF73A72D-BBE8-45CA-A444-74E09AE67F26}"/>
+              </a:ext>
+            </a:extLst>
+          </p:cNvPr>
+          <p:cNvSpPr txBox="1"/>
+          <p:nvPr/>
+        </p:nvSpPr>
+        <p:spPr>
+          <a:xfrm>
+            <a:off x="3391270" y="4438836"/>
+            <a:ext cx="7483875" cy="1200329"/>
+          </a:xfrm>
+          <a:prstGeom prst="rect">
+            <a:avLst/>
+          </a:prstGeom>
+          <a:noFill/>
+        </p:spPr>
+        <p:txBody>
+          <a:bodyPr wrap="square" rtlCol="0">
+            <a:spAutoFit/>
+          </a:bodyPr>
+          <a:lstStyle/>
+          <a:p>
+            <a:pPr algn="ctr"/>
+            <a:r>
+              <a:rPr lang="en-US" sz="3600"/>
+              <a:t>By: </a:t>
+            </a:r>
+            <a:r>
+              <a:rPr lang="en-US" sz="3600" dirty="0"/>
+              <a:t>Shimon </a:t>
+            </a:r>
+            <a:r>
+              <a:rPr lang="en-US" sz="3600"/>
+              <a:t>Nauenberg </a:t>
+            </a:r>
+          </a:p>
+          <a:p>
+            <a:pPr algn="ctr"/>
+            <a:r>
+              <a:rPr lang="en-US" sz="3600" dirty="0"/>
+              <a:t>and </a:t>
+            </a:r>
+            <a:r>
+              <a:rPr lang="en-US" sz="3600" dirty="0" err="1"/>
+              <a:t>Sagnik</a:t>
+            </a:r>
+            <a:r>
+              <a:rPr lang="en-US" sz="3600" dirty="0"/>
+              <a:t> </a:t>
+            </a:r>
+            <a:r>
+              <a:rPr lang="en-US" sz="3600" dirty="0" err="1"/>
+              <a:t>Adusumilli</a:t>
+            </a:r>
+            <a:endParaRPr lang="en-US" sz="3600" dirty="0"/>
           </a:p>
         </p:txBody>
       </p:sp>
@@ -6207,7 +6429,7 @@
             <a:pPr lvl="1"/>
             <a:r>
               <a:rPr lang="en-CA" dirty="0"/>
-              <a:t>Bike parking, TTC stations, Traffic volume, Bikeshare stations</a:t>
+              <a:t>Bike Parking, TTC Stations, Traffic Volume, Bikeshare Stations</a:t>
             </a:r>
           </a:p>
         </p:txBody>
@@ -6265,7 +6487,7 @@
           <a:p>
             <a:r>
               <a:rPr lang="en-CA" dirty="0"/>
-              <a:t>Questions</a:t>
+              <a:t> Original Questions</a:t>
             </a:r>
           </a:p>
         </p:txBody>
@@ -6288,7 +6510,9 @@
         </p:nvSpPr>
         <p:spPr/>
         <p:txBody>
-          <a:bodyPr/>
+          <a:bodyPr>
+            <a:normAutofit fontScale="92500" lnSpcReduction="20000"/>
+          </a:bodyPr>
           <a:lstStyle/>
           <a:p>
             <a:r>
@@ -6297,6 +6521,13 @@
             </a:r>
           </a:p>
           <a:p>
+            <a:pPr lvl="1"/>
+            <a:r>
+              <a:rPr lang="en-US" dirty="0"/>
+              <a:t>We dropped this question.</a:t>
+            </a:r>
+          </a:p>
+          <a:p>
             <a:r>
               <a:rPr lang="en-US" dirty="0"/>
               <a:t>Is there a relationship between the areas with more biking parking spots and number of traffic lights?</a:t>
@@ -6305,21 +6536,19 @@
           <a:p>
             <a:r>
               <a:rPr lang="en-US" dirty="0"/>
-              <a:t>Which streets are best for biking under different criteria, such as less traffic lights, parking availability </a:t>
-            </a:r>
-            <a:r>
-              <a:rPr lang="en-US" dirty="0" err="1"/>
-              <a:t>etc</a:t>
-            </a:r>
-            <a:r>
-              <a:rPr lang="en-US" dirty="0"/>
-              <a:t>?</a:t>
+              <a:t>Which streets are best for biking under different criteria, such as less traffic lights, parking availability etc.?</a:t>
             </a:r>
           </a:p>
           <a:p>
             <a:r>
               <a:rPr lang="en-US" dirty="0"/>
               <a:t>Are people using bike share stations to get to TTC subway stations?</a:t>
+            </a:r>
+          </a:p>
+          <a:p>
+            <a:r>
+              <a:rPr lang="en-US" dirty="0"/>
+              <a:t>Do bike share station decrease the average traffic volume at intersections. </a:t>
             </a:r>
             <a:endParaRPr lang="en-CA" dirty="0"/>
           </a:p>
@@ -6335,6 +6564,312 @@
   <p:clrMapOvr>
     <a:masterClrMapping/>
   </p:clrMapOvr>
+  <p:timing>
+    <p:tnLst>
+      <p:par>
+        <p:cTn id="1" dur="indefinite" restart="never" nodeType="tmRoot">
+          <p:childTnLst>
+            <p:seq concurrent="1" nextAc="seek">
+              <p:cTn id="2" dur="indefinite" nodeType="mainSeq">
+                <p:childTnLst>
+                  <p:par>
+                    <p:cTn id="3" fill="hold">
+                      <p:stCondLst>
+                        <p:cond delay="indefinite"/>
+                      </p:stCondLst>
+                      <p:childTnLst>
+                        <p:par>
+                          <p:cTn id="4" fill="hold">
+                            <p:stCondLst>
+                              <p:cond delay="0"/>
+                            </p:stCondLst>
+                            <p:childTnLst>
+                              <p:par>
+                                <p:cTn id="5" presetID="1" presetClass="entr" presetSubtype="0" fill="hold" nodeType="clickEffect">
+                                  <p:stCondLst>
+                                    <p:cond delay="0"/>
+                                  </p:stCondLst>
+                                  <p:childTnLst>
+                                    <p:set>
+                                      <p:cBhvr>
+                                        <p:cTn id="6" dur="1" fill="hold">
+                                          <p:stCondLst>
+                                            <p:cond delay="0"/>
+                                          </p:stCondLst>
+                                        </p:cTn>
+                                        <p:tgtEl>
+                                          <p:spTgt spid="3">
+                                            <p:txEl>
+                                              <p:pRg st="0" end="0"/>
+                                            </p:txEl>
+                                          </p:spTgt>
+                                        </p:tgtEl>
+                                        <p:attrNameLst>
+                                          <p:attrName>style.visibility</p:attrName>
+                                        </p:attrNameLst>
+                                      </p:cBhvr>
+                                      <p:to>
+                                        <p:strVal val="visible"/>
+                                      </p:to>
+                                    </p:set>
+                                  </p:childTnLst>
+                                </p:cTn>
+                              </p:par>
+                              <p:par>
+                                <p:cTn id="7" presetID="1" presetClass="entr" presetSubtype="0" fill="hold" nodeType="withEffect">
+                                  <p:stCondLst>
+                                    <p:cond delay="0"/>
+                                  </p:stCondLst>
+                                  <p:childTnLst>
+                                    <p:set>
+                                      <p:cBhvr>
+                                        <p:cTn id="8" dur="1" fill="hold">
+                                          <p:stCondLst>
+                                            <p:cond delay="0"/>
+                                          </p:stCondLst>
+                                        </p:cTn>
+                                        <p:tgtEl>
+                                          <p:spTgt spid="3">
+                                            <p:txEl>
+                                              <p:pRg st="1" end="1"/>
+                                            </p:txEl>
+                                          </p:spTgt>
+                                        </p:tgtEl>
+                                        <p:attrNameLst>
+                                          <p:attrName>style.visibility</p:attrName>
+                                        </p:attrNameLst>
+                                      </p:cBhvr>
+                                      <p:to>
+                                        <p:strVal val="visible"/>
+                                      </p:to>
+                                    </p:set>
+                                  </p:childTnLst>
+                                </p:cTn>
+                              </p:par>
+                            </p:childTnLst>
+                          </p:cTn>
+                        </p:par>
+                      </p:childTnLst>
+                    </p:cTn>
+                  </p:par>
+                  <p:par>
+                    <p:cTn id="9" fill="hold">
+                      <p:stCondLst>
+                        <p:cond delay="indefinite"/>
+                      </p:stCondLst>
+                      <p:childTnLst>
+                        <p:par>
+                          <p:cTn id="10" fill="hold">
+                            <p:stCondLst>
+                              <p:cond delay="0"/>
+                            </p:stCondLst>
+                            <p:childTnLst>
+                              <p:par>
+                                <p:cTn id="11" presetID="1" presetClass="entr" presetSubtype="0" fill="hold" nodeType="clickEffect">
+                                  <p:stCondLst>
+                                    <p:cond delay="0"/>
+                                  </p:stCondLst>
+                                  <p:childTnLst>
+                                    <p:set>
+                                      <p:cBhvr>
+                                        <p:cTn id="12" dur="1" fill="hold">
+                                          <p:stCondLst>
+                                            <p:cond delay="0"/>
+                                          </p:stCondLst>
+                                        </p:cTn>
+                                        <p:tgtEl>
+                                          <p:spTgt spid="3">
+                                            <p:txEl>
+                                              <p:pRg st="2" end="2"/>
+                                            </p:txEl>
+                                          </p:spTgt>
+                                        </p:tgtEl>
+                                        <p:attrNameLst>
+                                          <p:attrName>style.visibility</p:attrName>
+                                        </p:attrNameLst>
+                                      </p:cBhvr>
+                                      <p:to>
+                                        <p:strVal val="visible"/>
+                                      </p:to>
+                                    </p:set>
+                                  </p:childTnLst>
+                                </p:cTn>
+                              </p:par>
+                            </p:childTnLst>
+                          </p:cTn>
+                        </p:par>
+                      </p:childTnLst>
+                    </p:cTn>
+                  </p:par>
+                  <p:par>
+                    <p:cTn id="13" fill="hold">
+                      <p:stCondLst>
+                        <p:cond delay="indefinite"/>
+                      </p:stCondLst>
+                      <p:childTnLst>
+                        <p:par>
+                          <p:cTn id="14" fill="hold">
+                            <p:stCondLst>
+                              <p:cond delay="0"/>
+                            </p:stCondLst>
+                            <p:childTnLst>
+                              <p:par>
+                                <p:cTn id="15" presetID="1" presetClass="entr" presetSubtype="0" fill="hold" nodeType="clickEffect">
+                                  <p:stCondLst>
+                                    <p:cond delay="0"/>
+                                  </p:stCondLst>
+                                  <p:childTnLst>
+                                    <p:set>
+                                      <p:cBhvr>
+                                        <p:cTn id="16" dur="1" fill="hold">
+                                          <p:stCondLst>
+                                            <p:cond delay="0"/>
+                                          </p:stCondLst>
+                                        </p:cTn>
+                                        <p:tgtEl>
+                                          <p:spTgt spid="3">
+                                            <p:txEl>
+                                              <p:pRg st="3" end="3"/>
+                                            </p:txEl>
+                                          </p:spTgt>
+                                        </p:tgtEl>
+                                        <p:attrNameLst>
+                                          <p:attrName>style.visibility</p:attrName>
+                                        </p:attrNameLst>
+                                      </p:cBhvr>
+                                      <p:to>
+                                        <p:strVal val="visible"/>
+                                      </p:to>
+                                    </p:set>
+                                  </p:childTnLst>
+                                </p:cTn>
+                              </p:par>
+                            </p:childTnLst>
+                          </p:cTn>
+                        </p:par>
+                      </p:childTnLst>
+                    </p:cTn>
+                  </p:par>
+                  <p:par>
+                    <p:cTn id="17" fill="hold">
+                      <p:stCondLst>
+                        <p:cond delay="indefinite"/>
+                      </p:stCondLst>
+                      <p:childTnLst>
+                        <p:par>
+                          <p:cTn id="18" fill="hold">
+                            <p:stCondLst>
+                              <p:cond delay="0"/>
+                            </p:stCondLst>
+                            <p:childTnLst>
+                              <p:par>
+                                <p:cTn id="19" presetID="1" presetClass="entr" presetSubtype="0" fill="hold" nodeType="clickEffect">
+                                  <p:stCondLst>
+                                    <p:cond delay="0"/>
+                                  </p:stCondLst>
+                                  <p:childTnLst>
+                                    <p:set>
+                                      <p:cBhvr>
+                                        <p:cTn id="20" dur="1" fill="hold">
+                                          <p:stCondLst>
+                                            <p:cond delay="0"/>
+                                          </p:stCondLst>
+                                        </p:cTn>
+                                        <p:tgtEl>
+                                          <p:spTgt spid="3">
+                                            <p:txEl>
+                                              <p:pRg st="4" end="4"/>
+                                            </p:txEl>
+                                          </p:spTgt>
+                                        </p:tgtEl>
+                                        <p:attrNameLst>
+                                          <p:attrName>style.visibility</p:attrName>
+                                        </p:attrNameLst>
+                                      </p:cBhvr>
+                                      <p:to>
+                                        <p:strVal val="visible"/>
+                                      </p:to>
+                                    </p:set>
+                                  </p:childTnLst>
+                                </p:cTn>
+                              </p:par>
+                            </p:childTnLst>
+                          </p:cTn>
+                        </p:par>
+                      </p:childTnLst>
+                    </p:cTn>
+                  </p:par>
+                  <p:par>
+                    <p:cTn id="21" fill="hold">
+                      <p:stCondLst>
+                        <p:cond delay="indefinite"/>
+                      </p:stCondLst>
+                      <p:childTnLst>
+                        <p:par>
+                          <p:cTn id="22" fill="hold">
+                            <p:stCondLst>
+                              <p:cond delay="0"/>
+                            </p:stCondLst>
+                            <p:childTnLst>
+                              <p:par>
+                                <p:cTn id="23" presetID="1" presetClass="entr" presetSubtype="0" fill="hold" nodeType="clickEffect">
+                                  <p:stCondLst>
+                                    <p:cond delay="0"/>
+                                  </p:stCondLst>
+                                  <p:childTnLst>
+                                    <p:set>
+                                      <p:cBhvr>
+                                        <p:cTn id="24" dur="1" fill="hold">
+                                          <p:stCondLst>
+                                            <p:cond delay="0"/>
+                                          </p:stCondLst>
+                                        </p:cTn>
+                                        <p:tgtEl>
+                                          <p:spTgt spid="3">
+                                            <p:txEl>
+                                              <p:pRg st="5" end="5"/>
+                                            </p:txEl>
+                                          </p:spTgt>
+                                        </p:tgtEl>
+                                        <p:attrNameLst>
+                                          <p:attrName>style.visibility</p:attrName>
+                                        </p:attrNameLst>
+                                      </p:cBhvr>
+                                      <p:to>
+                                        <p:strVal val="visible"/>
+                                      </p:to>
+                                    </p:set>
+                                  </p:childTnLst>
+                                </p:cTn>
+                              </p:par>
+                            </p:childTnLst>
+                          </p:cTn>
+                        </p:par>
+                      </p:childTnLst>
+                    </p:cTn>
+                  </p:par>
+                </p:childTnLst>
+              </p:cTn>
+              <p:prevCondLst>
+                <p:cond evt="onPrev" delay="0">
+                  <p:tgtEl>
+                    <p:sldTgt/>
+                  </p:tgtEl>
+                </p:cond>
+              </p:prevCondLst>
+              <p:nextCondLst>
+                <p:cond evt="onNext" delay="0">
+                  <p:tgtEl>
+                    <p:sldTgt/>
+                  </p:tgtEl>
+                </p:cond>
+              </p:nextCondLst>
+            </p:seq>
+          </p:childTnLst>
+        </p:cTn>
+      </p:par>
+    </p:tnLst>
+  </p:timing>
 </p:sld>
 </file>
 
@@ -6401,25 +6936,77 @@
         </p:nvSpPr>
         <p:spPr/>
         <p:txBody>
-          <a:bodyPr/>
+          <a:bodyPr>
+            <a:normAutofit fontScale="85000" lnSpcReduction="20000"/>
+          </a:bodyPr>
           <a:lstStyle/>
           <a:p>
             <a:r>
               <a:rPr lang="en-CA" dirty="0"/>
-              <a:t>Ranked streets based on the number of traffic lights, number of bike parking spots, number of bike shops and the number of bike share stations </a:t>
+              <a:t>Ranked streets based on the number of traffic lights, number of bike parking spots, number of bike shops and the number of bike share stations .</a:t>
             </a:r>
           </a:p>
           <a:p>
             <a:pPr lvl="1"/>
             <a:r>
               <a:rPr lang="en-CA" dirty="0"/>
-              <a:t>5 of the best streets to Bike in Toronto are: Davenport Road, Lake Shore Blvd W, Carlton St, King street W, Elizabeth St</a:t>
-            </a:r>
-          </a:p>
-          <a:p>
+              <a:t>Five of the best streets to Bike are : </a:t>
+            </a:r>
+          </a:p>
+          <a:p>
+            <a:pPr marL="914400" lvl="1" indent="-457200">
+              <a:buFont typeface="+mj-lt"/>
+              <a:buAutoNum type="arabicPeriod"/>
+            </a:pPr>
             <a:r>
               <a:rPr lang="en-CA" dirty="0"/>
-              <a:t>Increasing the amount of bike share stations may help decrease the amount of traffic </a:t>
+              <a:t>Davenport Road</a:t>
+            </a:r>
+          </a:p>
+          <a:p>
+            <a:pPr marL="914400" lvl="1" indent="-457200">
+              <a:buFont typeface="+mj-lt"/>
+              <a:buAutoNum type="arabicPeriod"/>
+            </a:pPr>
+            <a:r>
+              <a:rPr lang="en-CA" dirty="0"/>
+              <a:t>Lake Shore Boulevard West</a:t>
+            </a:r>
+          </a:p>
+          <a:p>
+            <a:pPr marL="914400" lvl="1" indent="-457200">
+              <a:buFont typeface="+mj-lt"/>
+              <a:buAutoNum type="arabicPeriod"/>
+            </a:pPr>
+            <a:r>
+              <a:rPr lang="en-CA" dirty="0"/>
+              <a:t> Carlton Street</a:t>
+            </a:r>
+          </a:p>
+          <a:p>
+            <a:pPr marL="914400" lvl="1" indent="-457200">
+              <a:buFont typeface="+mj-lt"/>
+              <a:buAutoNum type="arabicPeriod"/>
+            </a:pPr>
+            <a:r>
+              <a:rPr lang="en-CA" dirty="0"/>
+              <a:t> King Street West</a:t>
+            </a:r>
+          </a:p>
+          <a:p>
+            <a:pPr marL="914400" lvl="1" indent="-457200">
+              <a:buFont typeface="+mj-lt"/>
+              <a:buAutoNum type="arabicPeriod"/>
+            </a:pPr>
+            <a:r>
+              <a:rPr lang="en-CA" dirty="0"/>
+              <a:t> Elizabeth Street</a:t>
+            </a:r>
+          </a:p>
+          <a:p>
+            <a:r>
+              <a:rPr lang="en-CA" dirty="0"/>
+              <a:t>These results align nicely with our experience of bike usage on some of these streets.</a:t>
             </a:r>
           </a:p>
         </p:txBody>
@@ -6434,6 +7021,289 @@
   <p:clrMapOvr>
     <a:masterClrMapping/>
   </p:clrMapOvr>
+  <p:timing>
+    <p:tnLst>
+      <p:par>
+        <p:cTn id="1" dur="indefinite" restart="never" nodeType="tmRoot">
+          <p:childTnLst>
+            <p:seq concurrent="1" nextAc="seek">
+              <p:cTn id="2" dur="indefinite" nodeType="mainSeq">
+                <p:childTnLst>
+                  <p:par>
+                    <p:cTn id="3" fill="hold">
+                      <p:stCondLst>
+                        <p:cond delay="indefinite"/>
+                      </p:stCondLst>
+                      <p:childTnLst>
+                        <p:par>
+                          <p:cTn id="4" fill="hold">
+                            <p:stCondLst>
+                              <p:cond delay="0"/>
+                            </p:stCondLst>
+                            <p:childTnLst>
+                              <p:par>
+                                <p:cTn id="5" presetID="1" presetClass="entr" presetSubtype="0" fill="hold" nodeType="clickEffect">
+                                  <p:stCondLst>
+                                    <p:cond delay="0"/>
+                                  </p:stCondLst>
+                                  <p:childTnLst>
+                                    <p:set>
+                                      <p:cBhvr>
+                                        <p:cTn id="6" dur="1" fill="hold">
+                                          <p:stCondLst>
+                                            <p:cond delay="0"/>
+                                          </p:stCondLst>
+                                        </p:cTn>
+                                        <p:tgtEl>
+                                          <p:spTgt spid="3">
+                                            <p:txEl>
+                                              <p:pRg st="1" end="1"/>
+                                            </p:txEl>
+                                          </p:spTgt>
+                                        </p:tgtEl>
+                                        <p:attrNameLst>
+                                          <p:attrName>style.visibility</p:attrName>
+                                        </p:attrNameLst>
+                                      </p:cBhvr>
+                                      <p:to>
+                                        <p:strVal val="visible"/>
+                                      </p:to>
+                                    </p:set>
+                                  </p:childTnLst>
+                                </p:cTn>
+                              </p:par>
+                              <p:par>
+                                <p:cTn id="7" presetID="1" presetClass="entr" presetSubtype="0" fill="hold" nodeType="withEffect">
+                                  <p:stCondLst>
+                                    <p:cond delay="0"/>
+                                  </p:stCondLst>
+                                  <p:childTnLst>
+                                    <p:set>
+                                      <p:cBhvr>
+                                        <p:cTn id="8" dur="1" fill="hold">
+                                          <p:stCondLst>
+                                            <p:cond delay="0"/>
+                                          </p:stCondLst>
+                                        </p:cTn>
+                                        <p:tgtEl>
+                                          <p:spTgt spid="3">
+                                            <p:txEl>
+                                              <p:pRg st="2" end="2"/>
+                                            </p:txEl>
+                                          </p:spTgt>
+                                        </p:tgtEl>
+                                        <p:attrNameLst>
+                                          <p:attrName>style.visibility</p:attrName>
+                                        </p:attrNameLst>
+                                      </p:cBhvr>
+                                      <p:to>
+                                        <p:strVal val="visible"/>
+                                      </p:to>
+                                    </p:set>
+                                  </p:childTnLst>
+                                </p:cTn>
+                              </p:par>
+                              <p:par>
+                                <p:cTn id="9" presetID="1" presetClass="entr" presetSubtype="0" fill="hold" nodeType="withEffect">
+                                  <p:stCondLst>
+                                    <p:cond delay="0"/>
+                                  </p:stCondLst>
+                                  <p:childTnLst>
+                                    <p:set>
+                                      <p:cBhvr>
+                                        <p:cTn id="10" dur="1" fill="hold">
+                                          <p:stCondLst>
+                                            <p:cond delay="0"/>
+                                          </p:stCondLst>
+                                        </p:cTn>
+                                        <p:tgtEl>
+                                          <p:spTgt spid="3">
+                                            <p:txEl>
+                                              <p:pRg st="3" end="3"/>
+                                            </p:txEl>
+                                          </p:spTgt>
+                                        </p:tgtEl>
+                                        <p:attrNameLst>
+                                          <p:attrName>style.visibility</p:attrName>
+                                        </p:attrNameLst>
+                                      </p:cBhvr>
+                                      <p:to>
+                                        <p:strVal val="visible"/>
+                                      </p:to>
+                                    </p:set>
+                                  </p:childTnLst>
+                                </p:cTn>
+                              </p:par>
+                              <p:par>
+                                <p:cTn id="11" presetID="1" presetClass="entr" presetSubtype="0" fill="hold" nodeType="withEffect">
+                                  <p:stCondLst>
+                                    <p:cond delay="0"/>
+                                  </p:stCondLst>
+                                  <p:childTnLst>
+                                    <p:set>
+                                      <p:cBhvr>
+                                        <p:cTn id="12" dur="1" fill="hold">
+                                          <p:stCondLst>
+                                            <p:cond delay="0"/>
+                                          </p:stCondLst>
+                                        </p:cTn>
+                                        <p:tgtEl>
+                                          <p:spTgt spid="3">
+                                            <p:txEl>
+                                              <p:pRg st="4" end="4"/>
+                                            </p:txEl>
+                                          </p:spTgt>
+                                        </p:tgtEl>
+                                        <p:attrNameLst>
+                                          <p:attrName>style.visibility</p:attrName>
+                                        </p:attrNameLst>
+                                      </p:cBhvr>
+                                      <p:to>
+                                        <p:strVal val="visible"/>
+                                      </p:to>
+                                    </p:set>
+                                  </p:childTnLst>
+                                </p:cTn>
+                              </p:par>
+                              <p:par>
+                                <p:cTn id="13" presetID="1" presetClass="entr" presetSubtype="0" fill="hold" nodeType="withEffect">
+                                  <p:stCondLst>
+                                    <p:cond delay="0"/>
+                                  </p:stCondLst>
+                                  <p:childTnLst>
+                                    <p:set>
+                                      <p:cBhvr>
+                                        <p:cTn id="14" dur="1" fill="hold">
+                                          <p:stCondLst>
+                                            <p:cond delay="0"/>
+                                          </p:stCondLst>
+                                        </p:cTn>
+                                        <p:tgtEl>
+                                          <p:spTgt spid="3">
+                                            <p:txEl>
+                                              <p:pRg st="5" end="5"/>
+                                            </p:txEl>
+                                          </p:spTgt>
+                                        </p:tgtEl>
+                                        <p:attrNameLst>
+                                          <p:attrName>style.visibility</p:attrName>
+                                        </p:attrNameLst>
+                                      </p:cBhvr>
+                                      <p:to>
+                                        <p:strVal val="visible"/>
+                                      </p:to>
+                                    </p:set>
+                                  </p:childTnLst>
+                                </p:cTn>
+                              </p:par>
+                              <p:par>
+                                <p:cTn id="15" presetID="1" presetClass="entr" presetSubtype="0" fill="hold" nodeType="withEffect">
+                                  <p:stCondLst>
+                                    <p:cond delay="0"/>
+                                  </p:stCondLst>
+                                  <p:childTnLst>
+                                    <p:set>
+                                      <p:cBhvr>
+                                        <p:cTn id="16" dur="1" fill="hold">
+                                          <p:stCondLst>
+                                            <p:cond delay="0"/>
+                                          </p:stCondLst>
+                                        </p:cTn>
+                                        <p:tgtEl>
+                                          <p:spTgt spid="3">
+                                            <p:txEl>
+                                              <p:pRg st="6" end="6"/>
+                                            </p:txEl>
+                                          </p:spTgt>
+                                        </p:tgtEl>
+                                        <p:attrNameLst>
+                                          <p:attrName>style.visibility</p:attrName>
+                                        </p:attrNameLst>
+                                      </p:cBhvr>
+                                      <p:to>
+                                        <p:strVal val="visible"/>
+                                      </p:to>
+                                    </p:set>
+                                  </p:childTnLst>
+                                </p:cTn>
+                              </p:par>
+                            </p:childTnLst>
+                          </p:cTn>
+                        </p:par>
+                      </p:childTnLst>
+                    </p:cTn>
+                  </p:par>
+                  <p:par>
+                    <p:cTn id="17" fill="hold">
+                      <p:stCondLst>
+                        <p:cond delay="indefinite"/>
+                      </p:stCondLst>
+                      <p:childTnLst>
+                        <p:par>
+                          <p:cTn id="18" fill="hold">
+                            <p:stCondLst>
+                              <p:cond delay="0"/>
+                            </p:stCondLst>
+                            <p:childTnLst>
+                              <p:par>
+                                <p:cTn id="19" presetID="1" presetClass="entr" presetSubtype="0" fill="hold" nodeType="clickEffect">
+                                  <p:stCondLst>
+                                    <p:cond delay="0"/>
+                                  </p:stCondLst>
+                                  <p:childTnLst>
+                                    <p:set>
+                                      <p:cBhvr>
+                                        <p:cTn id="20" dur="1" fill="hold">
+                                          <p:stCondLst>
+                                            <p:cond delay="0"/>
+                                          </p:stCondLst>
+                                        </p:cTn>
+                                        <p:tgtEl>
+                                          <p:spTgt spid="3">
+                                            <p:txEl>
+                                              <p:pRg st="7" end="7"/>
+                                            </p:txEl>
+                                          </p:spTgt>
+                                        </p:tgtEl>
+                                        <p:attrNameLst>
+                                          <p:attrName>style.visibility</p:attrName>
+                                        </p:attrNameLst>
+                                      </p:cBhvr>
+                                      <p:to>
+                                        <p:strVal val="visible"/>
+                                      </p:to>
+                                    </p:set>
+                                  </p:childTnLst>
+                                </p:cTn>
+                              </p:par>
+                            </p:childTnLst>
+                          </p:cTn>
+                        </p:par>
+                      </p:childTnLst>
+                    </p:cTn>
+                  </p:par>
+                </p:childTnLst>
+              </p:cTn>
+              <p:prevCondLst>
+                <p:cond evt="onPrev" delay="0">
+                  <p:tgtEl>
+                    <p:sldTgt/>
+                  </p:tgtEl>
+                </p:cond>
+              </p:prevCondLst>
+              <p:nextCondLst>
+                <p:cond evt="onNext" delay="0">
+                  <p:tgtEl>
+                    <p:sldTgt/>
+                  </p:tgtEl>
+                </p:cond>
+              </p:nextCondLst>
+            </p:seq>
+          </p:childTnLst>
+        </p:cTn>
+      </p:par>
+    </p:tnLst>
+  </p:timing>
 </p:sld>
 </file>
 
@@ -6511,7 +7381,7 @@
           <a:p>
             <a:r>
               <a:rPr lang="en-CA" dirty="0"/>
-              <a:t>We had several sources of data instead of one CSV file. This increased the complexity of the schema design. We were hoping that there will would be an unique identifier for location of objects like St number and St Name. However this identifier was not common and some had unexpected formats of address. We used IDs as keys in some places to work around this </a:t>
+              <a:t>We had several sources of data instead of one CSV file. This increased the complexity of the schema design. We were hoping that there will would be an unique identifier for location of objects like St number and St Name. However this identifier was not common and some had unexpected formats for address. We used IDs as keys in some places to work around this issue.</a:t>
             </a:r>
           </a:p>
         </p:txBody>
@@ -6526,6 +7396,134 @@
   <p:clrMapOvr>
     <a:masterClrMapping/>
   </p:clrMapOvr>
+  <p:timing>
+    <p:tnLst>
+      <p:par>
+        <p:cTn id="1" dur="indefinite" restart="never" nodeType="tmRoot">
+          <p:childTnLst>
+            <p:seq concurrent="1" nextAc="seek">
+              <p:cTn id="2" dur="indefinite" nodeType="mainSeq">
+                <p:childTnLst>
+                  <p:par>
+                    <p:cTn id="3" fill="hold">
+                      <p:stCondLst>
+                        <p:cond delay="indefinite"/>
+                      </p:stCondLst>
+                      <p:childTnLst>
+                        <p:par>
+                          <p:cTn id="4" fill="hold">
+                            <p:stCondLst>
+                              <p:cond delay="0"/>
+                            </p:stCondLst>
+                            <p:childTnLst>
+                              <p:par>
+                                <p:cTn id="5" presetID="1" presetClass="entr" presetSubtype="0" fill="hold" nodeType="clickEffect">
+                                  <p:stCondLst>
+                                    <p:cond delay="0"/>
+                                  </p:stCondLst>
+                                  <p:childTnLst>
+                                    <p:set>
+                                      <p:cBhvr>
+                                        <p:cTn id="6" dur="1" fill="hold">
+                                          <p:stCondLst>
+                                            <p:cond delay="0"/>
+                                          </p:stCondLst>
+                                        </p:cTn>
+                                        <p:tgtEl>
+                                          <p:spTgt spid="3">
+                                            <p:txEl>
+                                              <p:pRg st="0" end="0"/>
+                                            </p:txEl>
+                                          </p:spTgt>
+                                        </p:tgtEl>
+                                        <p:attrNameLst>
+                                          <p:attrName>style.visibility</p:attrName>
+                                        </p:attrNameLst>
+                                      </p:cBhvr>
+                                      <p:to>
+                                        <p:strVal val="visible"/>
+                                      </p:to>
+                                    </p:set>
+                                  </p:childTnLst>
+                                </p:cTn>
+                              </p:par>
+                            </p:childTnLst>
+                          </p:cTn>
+                        </p:par>
+                      </p:childTnLst>
+                    </p:cTn>
+                  </p:par>
+                  <p:par>
+                    <p:cTn id="7" fill="hold">
+                      <p:stCondLst>
+                        <p:cond delay="indefinite"/>
+                      </p:stCondLst>
+                      <p:childTnLst>
+                        <p:par>
+                          <p:cTn id="8" fill="hold">
+                            <p:stCondLst>
+                              <p:cond delay="0"/>
+                            </p:stCondLst>
+                            <p:childTnLst>
+                              <p:par>
+                                <p:cTn id="9" presetID="1" presetClass="entr" presetSubtype="0" fill="hold" nodeType="clickEffect">
+                                  <p:stCondLst>
+                                    <p:cond delay="0"/>
+                                  </p:stCondLst>
+                                  <p:childTnLst>
+                                    <p:set>
+                                      <p:cBhvr>
+                                        <p:cTn id="10" dur="1" fill="hold">
+                                          <p:stCondLst>
+                                            <p:cond delay="0"/>
+                                          </p:stCondLst>
+                                        </p:cTn>
+                                        <p:tgtEl>
+                                          <p:spTgt spid="3">
+                                            <p:txEl>
+                                              <p:pRg st="1" end="1"/>
+                                            </p:txEl>
+                                          </p:spTgt>
+                                        </p:tgtEl>
+                                        <p:attrNameLst>
+                                          <p:attrName>style.visibility</p:attrName>
+                                        </p:attrNameLst>
+                                      </p:cBhvr>
+                                      <p:to>
+                                        <p:strVal val="visible"/>
+                                      </p:to>
+                                    </p:set>
+                                  </p:childTnLst>
+                                </p:cTn>
+                              </p:par>
+                            </p:childTnLst>
+                          </p:cTn>
+                        </p:par>
+                      </p:childTnLst>
+                    </p:cTn>
+                  </p:par>
+                </p:childTnLst>
+              </p:cTn>
+              <p:prevCondLst>
+                <p:cond evt="onPrev" delay="0">
+                  <p:tgtEl>
+                    <p:sldTgt/>
+                  </p:tgtEl>
+                </p:cond>
+              </p:prevCondLst>
+              <p:nextCondLst>
+                <p:cond evt="onNext" delay="0">
+                  <p:tgtEl>
+                    <p:sldTgt/>
+                  </p:tgtEl>
+                </p:cond>
+              </p:nextCondLst>
+            </p:seq>
+          </p:childTnLst>
+        </p:cTn>
+      </p:par>
+    </p:tnLst>
+  </p:timing>
 </p:sld>
 </file>
 
@@ -6597,19 +7595,25 @@
           <a:p>
             <a:r>
               <a:rPr lang="en-CA" dirty="0"/>
-              <a:t>Learned to break up relations into smaller relations to avoid redundancy</a:t>
+              <a:t>Learned to break up relations into smaller relations to avoid redundancy.</a:t>
             </a:r>
           </a:p>
           <a:p>
             <a:r>
               <a:rPr lang="en-CA" dirty="0"/>
-              <a:t>Joins can be expensive so it is perhaps a good idea to get as much summary statistics in the cleaning process before the dataset</a:t>
+              <a:t>Joins can be expensive so it is perhaps a good idea to get as much summary statistics in the cleaning process before the dataset.</a:t>
             </a:r>
           </a:p>
           <a:p>
             <a:r>
               <a:rPr lang="en-CA" dirty="0"/>
-              <a:t>Data that is not stored in SQL format can be very messy and be riddled with inconsistencies </a:t>
+              <a:t>Data that is not stored in a DBMS can be very messy and be riddled with inconsistencies .</a:t>
+            </a:r>
+          </a:p>
+          <a:p>
+            <a:r>
+              <a:rPr lang="en-CA" dirty="0"/>
+              <a:t>It is important to understand the domain especially when determining keys. </a:t>
             </a:r>
           </a:p>
         </p:txBody>
@@ -6624,6 +7628,232 @@
   <p:clrMapOvr>
     <a:masterClrMapping/>
   </p:clrMapOvr>
+  <p:timing>
+    <p:tnLst>
+      <p:par>
+        <p:cTn id="1" dur="indefinite" restart="never" nodeType="tmRoot">
+          <p:childTnLst>
+            <p:seq concurrent="1" nextAc="seek">
+              <p:cTn id="2" dur="indefinite" nodeType="mainSeq">
+                <p:childTnLst>
+                  <p:par>
+                    <p:cTn id="3" fill="hold">
+                      <p:stCondLst>
+                        <p:cond delay="indefinite"/>
+                      </p:stCondLst>
+                      <p:childTnLst>
+                        <p:par>
+                          <p:cTn id="4" fill="hold">
+                            <p:stCondLst>
+                              <p:cond delay="0"/>
+                            </p:stCondLst>
+                            <p:childTnLst>
+                              <p:par>
+                                <p:cTn id="5" presetID="1" presetClass="entr" presetSubtype="0" fill="hold" nodeType="clickEffect">
+                                  <p:stCondLst>
+                                    <p:cond delay="0"/>
+                                  </p:stCondLst>
+                                  <p:childTnLst>
+                                    <p:set>
+                                      <p:cBhvr>
+                                        <p:cTn id="6" dur="1" fill="hold">
+                                          <p:stCondLst>
+                                            <p:cond delay="0"/>
+                                          </p:stCondLst>
+                                        </p:cTn>
+                                        <p:tgtEl>
+                                          <p:spTgt spid="3">
+                                            <p:txEl>
+                                              <p:pRg st="0" end="0"/>
+                                            </p:txEl>
+                                          </p:spTgt>
+                                        </p:tgtEl>
+                                        <p:attrNameLst>
+                                          <p:attrName>style.visibility</p:attrName>
+                                        </p:attrNameLst>
+                                      </p:cBhvr>
+                                      <p:to>
+                                        <p:strVal val="visible"/>
+                                      </p:to>
+                                    </p:set>
+                                  </p:childTnLst>
+                                </p:cTn>
+                              </p:par>
+                            </p:childTnLst>
+                          </p:cTn>
+                        </p:par>
+                      </p:childTnLst>
+                    </p:cTn>
+                  </p:par>
+                  <p:par>
+                    <p:cTn id="7" fill="hold">
+                      <p:stCondLst>
+                        <p:cond delay="indefinite"/>
+                      </p:stCondLst>
+                      <p:childTnLst>
+                        <p:par>
+                          <p:cTn id="8" fill="hold">
+                            <p:stCondLst>
+                              <p:cond delay="0"/>
+                            </p:stCondLst>
+                            <p:childTnLst>
+                              <p:par>
+                                <p:cTn id="9" presetID="1" presetClass="entr" presetSubtype="0" fill="hold" nodeType="clickEffect">
+                                  <p:stCondLst>
+                                    <p:cond delay="0"/>
+                                  </p:stCondLst>
+                                  <p:childTnLst>
+                                    <p:set>
+                                      <p:cBhvr>
+                                        <p:cTn id="10" dur="1" fill="hold">
+                                          <p:stCondLst>
+                                            <p:cond delay="0"/>
+                                          </p:stCondLst>
+                                        </p:cTn>
+                                        <p:tgtEl>
+                                          <p:spTgt spid="3">
+                                            <p:txEl>
+                                              <p:pRg st="1" end="1"/>
+                                            </p:txEl>
+                                          </p:spTgt>
+                                        </p:tgtEl>
+                                        <p:attrNameLst>
+                                          <p:attrName>style.visibility</p:attrName>
+                                        </p:attrNameLst>
+                                      </p:cBhvr>
+                                      <p:to>
+                                        <p:strVal val="visible"/>
+                                      </p:to>
+                                    </p:set>
+                                  </p:childTnLst>
+                                </p:cTn>
+                              </p:par>
+                            </p:childTnLst>
+                          </p:cTn>
+                        </p:par>
+                      </p:childTnLst>
+                    </p:cTn>
+                  </p:par>
+                  <p:par>
+                    <p:cTn id="11" fill="hold">
+                      <p:stCondLst>
+                        <p:cond delay="indefinite"/>
+                      </p:stCondLst>
+                      <p:childTnLst>
+                        <p:par>
+                          <p:cTn id="12" fill="hold">
+                            <p:stCondLst>
+                              <p:cond delay="0"/>
+                            </p:stCondLst>
+                            <p:childTnLst>
+                              <p:par>
+                                <p:cTn id="13" presetID="1" presetClass="entr" presetSubtype="0" fill="hold" nodeType="clickEffect">
+                                  <p:stCondLst>
+                                    <p:cond delay="0"/>
+                                  </p:stCondLst>
+                                  <p:childTnLst>
+                                    <p:set>
+                                      <p:cBhvr>
+                                        <p:cTn id="14" dur="1" fill="hold">
+                                          <p:stCondLst>
+                                            <p:cond delay="0"/>
+                                          </p:stCondLst>
+                                        </p:cTn>
+                                        <p:tgtEl>
+                                          <p:spTgt spid="3">
+                                            <p:txEl>
+                                              <p:pRg st="2" end="2"/>
+                                            </p:txEl>
+                                          </p:spTgt>
+                                        </p:tgtEl>
+                                        <p:attrNameLst>
+                                          <p:attrName>style.visibility</p:attrName>
+                                        </p:attrNameLst>
+                                      </p:cBhvr>
+                                      <p:to>
+                                        <p:strVal val="visible"/>
+                                      </p:to>
+                                    </p:set>
+                                  </p:childTnLst>
+                                </p:cTn>
+                              </p:par>
+                            </p:childTnLst>
+                          </p:cTn>
+                        </p:par>
+                      </p:childTnLst>
+                    </p:cTn>
+                  </p:par>
+                  <p:par>
+                    <p:cTn id="15" fill="hold">
+                      <p:stCondLst>
+                        <p:cond delay="indefinite"/>
+                      </p:stCondLst>
+                      <p:childTnLst>
+                        <p:par>
+                          <p:cTn id="16" fill="hold">
+                            <p:stCondLst>
+                              <p:cond delay="0"/>
+                            </p:stCondLst>
+                            <p:childTnLst>
+                              <p:par>
+                                <p:cTn id="17" presetID="1" presetClass="entr" presetSubtype="0" fill="hold" nodeType="clickEffect">
+                                  <p:stCondLst>
+                                    <p:cond delay="0"/>
+                                  </p:stCondLst>
+                                  <p:childTnLst>
+                                    <p:set>
+                                      <p:cBhvr>
+                                        <p:cTn id="18" dur="1" fill="hold">
+                                          <p:stCondLst>
+                                            <p:cond delay="0"/>
+                                          </p:stCondLst>
+                                        </p:cTn>
+                                        <p:tgtEl>
+                                          <p:spTgt spid="3">
+                                            <p:txEl>
+                                              <p:pRg st="3" end="3"/>
+                                            </p:txEl>
+                                          </p:spTgt>
+                                        </p:tgtEl>
+                                        <p:attrNameLst>
+                                          <p:attrName>style.visibility</p:attrName>
+                                        </p:attrNameLst>
+                                      </p:cBhvr>
+                                      <p:to>
+                                        <p:strVal val="visible"/>
+                                      </p:to>
+                                    </p:set>
+                                  </p:childTnLst>
+                                </p:cTn>
+                              </p:par>
+                            </p:childTnLst>
+                          </p:cTn>
+                        </p:par>
+                      </p:childTnLst>
+                    </p:cTn>
+                  </p:par>
+                </p:childTnLst>
+              </p:cTn>
+              <p:prevCondLst>
+                <p:cond evt="onPrev" delay="0">
+                  <p:tgtEl>
+                    <p:sldTgt/>
+                  </p:tgtEl>
+                </p:cond>
+              </p:prevCondLst>
+              <p:nextCondLst>
+                <p:cond evt="onNext" delay="0">
+                  <p:tgtEl>
+                    <p:sldTgt/>
+                  </p:tgtEl>
+                </p:cond>
+              </p:nextCondLst>
+            </p:seq>
+          </p:childTnLst>
+        </p:cTn>
+      </p:par>
+    </p:tnLst>
+  </p:timing>
 </p:sld>
 </file>
 
@@ -6667,12 +7897,14 @@
           </a:xfrm>
         </p:spPr>
         <p:txBody>
-          <a:bodyPr/>
+          <a:bodyPr>
+            <a:normAutofit/>
+          </a:bodyPr>
           <a:lstStyle/>
           <a:p>
             <a:pPr algn="ctr"/>
             <a:r>
-              <a:rPr lang="en-CA" dirty="0"/>
+              <a:rPr lang="en-CA" sz="4800" dirty="0"/>
               <a:t>Questions?</a:t>
             </a:r>
           </a:p>
@@ -6688,6 +7920,130 @@
   <p:clrMapOvr>
     <a:masterClrMapping/>
   </p:clrMapOvr>
+  <p:timing>
+    <p:tnLst>
+      <p:par>
+        <p:cTn id="1" dur="indefinite" restart="never" nodeType="tmRoot">
+          <p:childTnLst>
+            <p:seq concurrent="1" nextAc="seek">
+              <p:cTn id="2" dur="indefinite" nodeType="mainSeq">
+                <p:childTnLst>
+                  <p:par>
+                    <p:cTn id="3" fill="hold">
+                      <p:stCondLst>
+                        <p:cond delay="indefinite"/>
+                      </p:stCondLst>
+                      <p:childTnLst>
+                        <p:par>
+                          <p:cTn id="4" fill="hold">
+                            <p:stCondLst>
+                              <p:cond delay="0"/>
+                            </p:stCondLst>
+                            <p:childTnLst>
+                              <p:par>
+                                <p:cTn id="5" presetID="2" presetClass="entr" presetSubtype="4" fill="hold" grpId="0" nodeType="clickEffect">
+                                  <p:stCondLst>
+                                    <p:cond delay="0"/>
+                                  </p:stCondLst>
+                                  <p:childTnLst>
+                                    <p:set>
+                                      <p:cBhvr>
+                                        <p:cTn id="6" dur="1" fill="hold">
+                                          <p:stCondLst>
+                                            <p:cond delay="0"/>
+                                          </p:stCondLst>
+                                        </p:cTn>
+                                        <p:tgtEl>
+                                          <p:spTgt spid="2"/>
+                                        </p:tgtEl>
+                                        <p:attrNameLst>
+                                          <p:attrName>style.visibility</p:attrName>
+                                        </p:attrNameLst>
+                                      </p:cBhvr>
+                                      <p:to>
+                                        <p:strVal val="visible"/>
+                                      </p:to>
+                                    </p:set>
+                                    <p:anim calcmode="lin" valueType="num">
+                                      <p:cBhvr additive="base">
+                                        <p:cTn id="7" dur="500" fill="hold"/>
+                                        <p:tgtEl>
+                                          <p:spTgt spid="2"/>
+                                        </p:tgtEl>
+                                        <p:attrNameLst>
+                                          <p:attrName>ppt_x</p:attrName>
+                                        </p:attrNameLst>
+                                      </p:cBhvr>
+                                      <p:tavLst>
+                                        <p:tav tm="0">
+                                          <p:val>
+                                            <p:strVal val="#ppt_x"/>
+                                          </p:val>
+                                        </p:tav>
+                                        <p:tav tm="100000">
+                                          <p:val>
+                                            <p:strVal val="#ppt_x"/>
+                                          </p:val>
+                                        </p:tav>
+                                      </p:tavLst>
+                                    </p:anim>
+                                    <p:anim calcmode="lin" valueType="num">
+                                      <p:cBhvr additive="base">
+                                        <p:cTn id="8" dur="500" fill="hold"/>
+                                        <p:tgtEl>
+                                          <p:spTgt spid="2"/>
+                                        </p:tgtEl>
+                                        <p:attrNameLst>
+                                          <p:attrName>ppt_y</p:attrName>
+                                        </p:attrNameLst>
+                                      </p:cBhvr>
+                                      <p:tavLst>
+                                        <p:tav tm="0">
+                                          <p:val>
+                                            <p:strVal val="1+#ppt_h/2"/>
+                                          </p:val>
+                                        </p:tav>
+                                        <p:tav tm="100000">
+                                          <p:val>
+                                            <p:strVal val="#ppt_y"/>
+                                          </p:val>
+                                        </p:tav>
+                                      </p:tavLst>
+                                    </p:anim>
+                                  </p:childTnLst>
+                                </p:cTn>
+                              </p:par>
+                            </p:childTnLst>
+                          </p:cTn>
+                        </p:par>
+                      </p:childTnLst>
+                    </p:cTn>
+                  </p:par>
+                </p:childTnLst>
+              </p:cTn>
+              <p:prevCondLst>
+                <p:cond evt="onPrev" delay="0">
+                  <p:tgtEl>
+                    <p:sldTgt/>
+                  </p:tgtEl>
+                </p:cond>
+              </p:prevCondLst>
+              <p:nextCondLst>
+                <p:cond evt="onNext" delay="0">
+                  <p:tgtEl>
+                    <p:sldTgt/>
+                  </p:tgtEl>
+                </p:cond>
+              </p:nextCondLst>
+            </p:seq>
+          </p:childTnLst>
+        </p:cTn>
+      </p:par>
+    </p:tnLst>
+    <p:bldLst>
+      <p:bldP spid="2" grpId="0"/>
+    </p:bldLst>
+  </p:timing>
 </p:sld>
 </file>
 

--- a/Public Transport in Toronto.pptx
+++ b/Public Transport in Toronto.pptx
@@ -771,7 +771,7 @@
             <a:fld id="{B61BEF0D-F0BB-DE4B-95CE-6DB70DBA9567}" type="datetimeFigureOut">
               <a:rPr lang="en-US" dirty="0"/>
               <a:pPr/>
-              <a:t>12/19/2021</a:t>
+              <a:t>12/20/2021</a:t>
             </a:fld>
             <a:endParaRPr lang="en-US" dirty="0"/>
           </a:p>
@@ -1064,7 +1064,7 @@
             <a:fld id="{B61BEF0D-F0BB-DE4B-95CE-6DB70DBA9567}" type="datetimeFigureOut">
               <a:rPr lang="en-US" dirty="0"/>
               <a:pPr/>
-              <a:t>12/19/2021</a:t>
+              <a:t>12/20/2021</a:t>
             </a:fld>
             <a:endParaRPr lang="en-US" dirty="0"/>
           </a:p>
@@ -1309,7 +1309,7 @@
             <a:fld id="{B61BEF0D-F0BB-DE4B-95CE-6DB70DBA9567}" type="datetimeFigureOut">
               <a:rPr lang="en-US" dirty="0"/>
               <a:pPr/>
-              <a:t>12/19/2021</a:t>
+              <a:t>12/20/2021</a:t>
             </a:fld>
             <a:endParaRPr lang="en-US" dirty="0"/>
           </a:p>
@@ -1846,7 +1846,7 @@
             <a:fld id="{B61BEF0D-F0BB-DE4B-95CE-6DB70DBA9567}" type="datetimeFigureOut">
               <a:rPr lang="en-US" dirty="0"/>
               <a:pPr/>
-              <a:t>12/19/2021</a:t>
+              <a:t>12/20/2021</a:t>
             </a:fld>
             <a:endParaRPr lang="en-US" dirty="0"/>
           </a:p>
@@ -2091,7 +2091,7 @@
             <a:fld id="{B61BEF0D-F0BB-DE4B-95CE-6DB70DBA9567}" type="datetimeFigureOut">
               <a:rPr lang="en-US" dirty="0"/>
               <a:pPr/>
-              <a:t>12/19/2021</a:t>
+              <a:t>12/20/2021</a:t>
             </a:fld>
             <a:endParaRPr lang="en-US" dirty="0"/>
           </a:p>
@@ -2620,7 +2620,7 @@
             <a:fld id="{B61BEF0D-F0BB-DE4B-95CE-6DB70DBA9567}" type="datetimeFigureOut">
               <a:rPr lang="en-US" dirty="0"/>
               <a:pPr/>
-              <a:t>12/19/2021</a:t>
+              <a:t>12/20/2021</a:t>
             </a:fld>
             <a:endParaRPr lang="en-US" dirty="0"/>
           </a:p>
@@ -2914,7 +2914,7 @@
             <a:fld id="{B61BEF0D-F0BB-DE4B-95CE-6DB70DBA9567}" type="datetimeFigureOut">
               <a:rPr lang="en-US" dirty="0"/>
               <a:pPr/>
-              <a:t>12/19/2021</a:t>
+              <a:t>12/20/2021</a:t>
             </a:fld>
             <a:endParaRPr lang="en-US" dirty="0"/>
           </a:p>
@@ -3085,7 +3085,7 @@
             <a:fld id="{B61BEF0D-F0BB-DE4B-95CE-6DB70DBA9567}" type="datetimeFigureOut">
               <a:rPr lang="en-US" dirty="0"/>
               <a:pPr/>
-              <a:t>12/19/2021</a:t>
+              <a:t>12/20/2021</a:t>
             </a:fld>
             <a:endParaRPr lang="en-US" dirty="0"/>
           </a:p>
@@ -3262,7 +3262,7 @@
             <a:fld id="{B61BEF0D-F0BB-DE4B-95CE-6DB70DBA9567}" type="datetimeFigureOut">
               <a:rPr lang="en-US" dirty="0"/>
               <a:pPr/>
-              <a:t>12/19/2021</a:t>
+              <a:t>12/20/2021</a:t>
             </a:fld>
             <a:endParaRPr lang="en-US" dirty="0"/>
           </a:p>
@@ -3429,7 +3429,7 @@
             <a:fld id="{B61BEF0D-F0BB-DE4B-95CE-6DB70DBA9567}" type="datetimeFigureOut">
               <a:rPr lang="en-US" dirty="0"/>
               <a:pPr/>
-              <a:t>12/19/2021</a:t>
+              <a:t>12/20/2021</a:t>
             </a:fld>
             <a:endParaRPr lang="en-US" dirty="0"/>
           </a:p>
@@ -3677,7 +3677,7 @@
             <a:fld id="{B61BEF0D-F0BB-DE4B-95CE-6DB70DBA9567}" type="datetimeFigureOut">
               <a:rPr lang="en-US" dirty="0"/>
               <a:pPr/>
-              <a:t>12/19/2021</a:t>
+              <a:t>12/20/2021</a:t>
             </a:fld>
             <a:endParaRPr lang="en-US" dirty="0"/>
           </a:p>
@@ -3971,7 +3971,7 @@
             <a:fld id="{B61BEF0D-F0BB-DE4B-95CE-6DB70DBA9567}" type="datetimeFigureOut">
               <a:rPr lang="en-US" dirty="0"/>
               <a:pPr/>
-              <a:t>12/19/2021</a:t>
+              <a:t>12/20/2021</a:t>
             </a:fld>
             <a:endParaRPr lang="en-US" dirty="0"/>
           </a:p>
@@ -4410,7 +4410,7 @@
             <a:fld id="{B61BEF0D-F0BB-DE4B-95CE-6DB70DBA9567}" type="datetimeFigureOut">
               <a:rPr lang="en-US" dirty="0"/>
               <a:pPr/>
-              <a:t>12/19/2021</a:t>
+              <a:t>12/20/2021</a:t>
             </a:fld>
             <a:endParaRPr lang="en-US" dirty="0"/>
           </a:p>
@@ -4525,7 +4525,7 @@
             <a:fld id="{B61BEF0D-F0BB-DE4B-95CE-6DB70DBA9567}" type="datetimeFigureOut">
               <a:rPr lang="en-US" dirty="0"/>
               <a:pPr/>
-              <a:t>12/19/2021</a:t>
+              <a:t>12/20/2021</a:t>
             </a:fld>
             <a:endParaRPr lang="en-US" dirty="0"/>
           </a:p>
@@ -4617,7 +4617,7 @@
             <a:fld id="{B61BEF0D-F0BB-DE4B-95CE-6DB70DBA9567}" type="datetimeFigureOut">
               <a:rPr lang="en-US" dirty="0"/>
               <a:pPr/>
-              <a:t>12/19/2021</a:t>
+              <a:t>12/20/2021</a:t>
             </a:fld>
             <a:endParaRPr lang="en-US" dirty="0"/>
           </a:p>
@@ -4897,7 +4897,7 @@
             <a:fld id="{B61BEF0D-F0BB-DE4B-95CE-6DB70DBA9567}" type="datetimeFigureOut">
               <a:rPr lang="en-US" dirty="0"/>
               <a:pPr/>
-              <a:t>12/19/2021</a:t>
+              <a:t>12/20/2021</a:t>
             </a:fld>
             <a:endParaRPr lang="en-US" dirty="0"/>
           </a:p>
@@ -5185,7 +5185,7 @@
             <a:fld id="{B61BEF0D-F0BB-DE4B-95CE-6DB70DBA9567}" type="datetimeFigureOut">
               <a:rPr lang="en-US" dirty="0"/>
               <a:pPr/>
-              <a:t>12/19/2021</a:t>
+              <a:t>12/20/2021</a:t>
             </a:fld>
             <a:endParaRPr lang="en-US" dirty="0"/>
           </a:p>
@@ -5712,7 +5712,7 @@
             <a:fld id="{B61BEF0D-F0BB-DE4B-95CE-6DB70DBA9567}" type="datetimeFigureOut">
               <a:rPr lang="en-US" dirty="0"/>
               <a:pPr/>
-              <a:t>12/19/2021</a:t>
+              <a:t>12/20/2021</a:t>
             </a:fld>
             <a:endParaRPr lang="en-US" dirty="0"/>
           </a:p>
@@ -6265,7 +6265,7 @@
             <a:pPr algn="ctr"/>
             <a:r>
               <a:rPr lang="en-CA" dirty="0"/>
-              <a:t>Public Transportation in Toronto</a:t>
+              <a:t>Cycling Transportation in Toronto</a:t>
             </a:r>
           </a:p>
         </p:txBody>
@@ -7595,13 +7595,13 @@
           <a:p>
             <a:r>
               <a:rPr lang="en-CA" dirty="0"/>
-              <a:t>Learned to break up relations into smaller relations to avoid redundancy.</a:t>
+              <a:t>Break up relations into smaller relations to avoid redundancy.</a:t>
             </a:r>
           </a:p>
           <a:p>
             <a:r>
               <a:rPr lang="en-CA" dirty="0"/>
-              <a:t>Joins can be expensive so it is perhaps a good idea to get as much summary statistics in the cleaning process before the dataset.</a:t>
+              <a:t>Joins can be expensive. It is perhaps a good idea to get as much summary statistics in the cleaning process, and to do joins once.</a:t>
             </a:r>
           </a:p>
           <a:p>

--- a/Public Transport in Toronto.pptx
+++ b/Public Transport in Toronto.pptx
@@ -6225,6 +6225,27 @@
 <file path=ppt/slides/slide1.xml><?xml version="1.0" encoding="utf-8"?>
 <p:sld xmlns:a="http://schemas.openxmlformats.org/drawingml/2006/main" xmlns:r="http://schemas.openxmlformats.org/officeDocument/2006/relationships" xmlns:p="http://schemas.openxmlformats.org/presentationml/2006/main">
   <p:cSld>
+    <p:bg>
+      <p:bgPr>
+        <a:blipFill rotWithShape="1">
+          <a:blip r:embed="rId2">
+            <a:duotone>
+              <a:schemeClr val="bg2">
+                <a:shade val="76000"/>
+                <a:satMod val="180000"/>
+              </a:schemeClr>
+              <a:schemeClr val="bg2">
+                <a:tint val="80000"/>
+                <a:satMod val="120000"/>
+                <a:lumMod val="180000"/>
+              </a:schemeClr>
+            </a:duotone>
+          </a:blip>
+          <a:stretch/>
+        </a:blipFill>
+        <a:effectLst/>
+      </p:bgPr>
+    </p:bg>
     <p:spTree>
       <p:nvGrpSpPr>
         <p:cNvPr id="1" name=""/>
@@ -6239,6 +6260,965 @@
           <a:chExt cx="0" cy="0"/>
         </a:xfrm>
       </p:grpSpPr>
+      <p:grpSp>
+        <p:nvGrpSpPr>
+          <p:cNvPr id="9" name="Group 8">
+            <a:extLst>
+              <a:ext uri="{FF2B5EF4-FFF2-40B4-BE49-F238E27FC236}">
+                <a16:creationId xmlns:a16="http://schemas.microsoft.com/office/drawing/2014/main" id="{260ACC13-B825-49F3-93DE-C8B8F2FA37A1}"/>
+              </a:ext>
+              <a:ext uri="{C183D7F6-B498-43B3-948B-1728B52AA6E4}">
+                <adec:decorative xmlns:adec="http://schemas.microsoft.com/office/drawing/2017/decorative" val="1"/>
+              </a:ext>
+            </a:extLst>
+          </p:cNvPr>
+          <p:cNvGrpSpPr>
+            <a:grpSpLocks noGrp="1" noUngrp="1" noRot="1" noChangeAspect="1" noMove="1" noResize="1"/>
+          </p:cNvGrpSpPr>
+          <p:nvPr>
+            <p:extLst>
+              <p:ext uri="{386F3935-93C4-4BCD-93E2-E3B085C9AB24}">
+                <p16:designElem xmlns:p16="http://schemas.microsoft.com/office/powerpoint/2015/main" val="1"/>
+              </p:ext>
+            </p:extLst>
+          </p:nvPr>
+        </p:nvGrpSpPr>
+        <p:grpSpPr>
+          <a:xfrm>
+            <a:off x="150812" y="0"/>
+            <a:ext cx="2436813" cy="6858001"/>
+            <a:chOff x="1320800" y="0"/>
+            <a:chExt cx="2436813" cy="6858001"/>
+          </a:xfrm>
+        </p:grpSpPr>
+        <p:sp>
+          <p:nvSpPr>
+            <p:cNvPr id="10" name="Freeform 6">
+              <a:extLst>
+                <a:ext uri="{FF2B5EF4-FFF2-40B4-BE49-F238E27FC236}">
+                  <a16:creationId xmlns:a16="http://schemas.microsoft.com/office/drawing/2014/main" id="{F947B31F-CA03-4793-845D-FD86BABC1A18}"/>
+                </a:ext>
+                <a:ext uri="{C183D7F6-B498-43B3-948B-1728B52AA6E4}">
+                  <adec:decorative xmlns:adec="http://schemas.microsoft.com/office/drawing/2017/decorative" val="1"/>
+                </a:ext>
+              </a:extLst>
+            </p:cNvPr>
+            <p:cNvSpPr/>
+            <p:nvPr>
+              <p:extLst>
+                <p:ext uri="{386F3935-93C4-4BCD-93E2-E3B085C9AB24}">
+                  <p16:designElem xmlns:p16="http://schemas.microsoft.com/office/powerpoint/2015/main" val="1"/>
+                </p:ext>
+              </p:extLst>
+            </p:nvPr>
+          </p:nvSpPr>
+          <p:spPr bwMode="auto">
+            <a:xfrm>
+              <a:off x="1627188" y="0"/>
+              <a:ext cx="1122363" cy="5329238"/>
+            </a:xfrm>
+            <a:custGeom>
+              <a:avLst/>
+              <a:gdLst/>
+              <a:ahLst/>
+              <a:cxnLst/>
+              <a:rect l="0" t="0" r="r" b="b"/>
+              <a:pathLst>
+                <a:path w="707" h="3357">
+                  <a:moveTo>
+                    <a:pt x="0" y="3330"/>
+                  </a:moveTo>
+                  <a:lnTo>
+                    <a:pt x="156" y="3357"/>
+                  </a:lnTo>
+                  <a:lnTo>
+                    <a:pt x="707" y="0"/>
+                  </a:lnTo>
+                  <a:lnTo>
+                    <a:pt x="547" y="0"/>
+                  </a:lnTo>
+                  <a:lnTo>
+                    <a:pt x="0" y="3330"/>
+                  </a:lnTo>
+                  <a:close/>
+                </a:path>
+              </a:pathLst>
+            </a:custGeom>
+            <a:solidFill>
+              <a:schemeClr val="accent1"/>
+            </a:solidFill>
+            <a:ln>
+              <a:noFill/>
+            </a:ln>
+          </p:spPr>
+        </p:sp>
+        <p:sp>
+          <p:nvSpPr>
+            <p:cNvPr id="11" name="Freeform 7">
+              <a:extLst>
+                <a:ext uri="{FF2B5EF4-FFF2-40B4-BE49-F238E27FC236}">
+                  <a16:creationId xmlns:a16="http://schemas.microsoft.com/office/drawing/2014/main" id="{DCDDE94D-F78C-4A48-AEA6-E922FC99A159}"/>
+                </a:ext>
+                <a:ext uri="{C183D7F6-B498-43B3-948B-1728B52AA6E4}">
+                  <adec:decorative xmlns:adec="http://schemas.microsoft.com/office/drawing/2017/decorative" val="1"/>
+                </a:ext>
+              </a:extLst>
+            </p:cNvPr>
+            <p:cNvSpPr/>
+            <p:nvPr>
+              <p:extLst>
+                <p:ext uri="{386F3935-93C4-4BCD-93E2-E3B085C9AB24}">
+                  <p16:designElem xmlns:p16="http://schemas.microsoft.com/office/powerpoint/2015/main" val="1"/>
+                </p:ext>
+              </p:extLst>
+            </p:nvPr>
+          </p:nvSpPr>
+          <p:spPr bwMode="auto">
+            <a:xfrm>
+              <a:off x="1320800" y="0"/>
+              <a:ext cx="1117600" cy="5276850"/>
+            </a:xfrm>
+            <a:custGeom>
+              <a:avLst/>
+              <a:gdLst/>
+              <a:ahLst/>
+              <a:cxnLst/>
+              <a:rect l="0" t="0" r="r" b="b"/>
+              <a:pathLst>
+                <a:path w="704" h="3324">
+                  <a:moveTo>
+                    <a:pt x="704" y="0"/>
+                  </a:moveTo>
+                  <a:lnTo>
+                    <a:pt x="545" y="0"/>
+                  </a:lnTo>
+                  <a:lnTo>
+                    <a:pt x="0" y="3300"/>
+                  </a:lnTo>
+                  <a:lnTo>
+                    <a:pt x="157" y="3324"/>
+                  </a:lnTo>
+                  <a:lnTo>
+                    <a:pt x="704" y="0"/>
+                  </a:lnTo>
+                  <a:close/>
+                </a:path>
+              </a:pathLst>
+            </a:custGeom>
+            <a:solidFill>
+              <a:schemeClr val="tx1">
+                <a:lumMod val="65000"/>
+                <a:lumOff val="35000"/>
+              </a:schemeClr>
+            </a:solidFill>
+            <a:ln>
+              <a:noFill/>
+            </a:ln>
+          </p:spPr>
+        </p:sp>
+        <p:sp>
+          <p:nvSpPr>
+            <p:cNvPr id="12" name="Freeform 8">
+              <a:extLst>
+                <a:ext uri="{FF2B5EF4-FFF2-40B4-BE49-F238E27FC236}">
+                  <a16:creationId xmlns:a16="http://schemas.microsoft.com/office/drawing/2014/main" id="{3445A886-F3CA-4DE4-90D7-535F9707B799}"/>
+                </a:ext>
+                <a:ext uri="{C183D7F6-B498-43B3-948B-1728B52AA6E4}">
+                  <adec:decorative xmlns:adec="http://schemas.microsoft.com/office/drawing/2017/decorative" val="1"/>
+                </a:ext>
+              </a:extLst>
+            </p:cNvPr>
+            <p:cNvSpPr/>
+            <p:nvPr>
+              <p:extLst>
+                <p:ext uri="{386F3935-93C4-4BCD-93E2-E3B085C9AB24}">
+                  <p16:designElem xmlns:p16="http://schemas.microsoft.com/office/powerpoint/2015/main" val="1"/>
+                </p:ext>
+              </p:extLst>
+            </p:nvPr>
+          </p:nvSpPr>
+          <p:spPr bwMode="auto">
+            <a:xfrm>
+              <a:off x="1320800" y="5238750"/>
+              <a:ext cx="1228725" cy="1619250"/>
+            </a:xfrm>
+            <a:custGeom>
+              <a:avLst/>
+              <a:gdLst/>
+              <a:ahLst/>
+              <a:cxnLst/>
+              <a:rect l="0" t="0" r="r" b="b"/>
+              <a:pathLst>
+                <a:path w="774" h="1020">
+                  <a:moveTo>
+                    <a:pt x="0" y="0"/>
+                  </a:moveTo>
+                  <a:lnTo>
+                    <a:pt x="740" y="1020"/>
+                  </a:lnTo>
+                  <a:lnTo>
+                    <a:pt x="774" y="1020"/>
+                  </a:lnTo>
+                  <a:lnTo>
+                    <a:pt x="0" y="0"/>
+                  </a:lnTo>
+                  <a:close/>
+                </a:path>
+              </a:pathLst>
+            </a:custGeom>
+            <a:solidFill>
+              <a:schemeClr val="tx1">
+                <a:lumMod val="85000"/>
+                <a:lumOff val="15000"/>
+              </a:schemeClr>
+            </a:solidFill>
+            <a:ln>
+              <a:noFill/>
+            </a:ln>
+          </p:spPr>
+        </p:sp>
+        <p:sp>
+          <p:nvSpPr>
+            <p:cNvPr id="13" name="Freeform 9">
+              <a:extLst>
+                <a:ext uri="{FF2B5EF4-FFF2-40B4-BE49-F238E27FC236}">
+                  <a16:creationId xmlns:a16="http://schemas.microsoft.com/office/drawing/2014/main" id="{A8999CB6-C053-418B-AE37-E470804D251D}"/>
+                </a:ext>
+                <a:ext uri="{C183D7F6-B498-43B3-948B-1728B52AA6E4}">
+                  <adec:decorative xmlns:adec="http://schemas.microsoft.com/office/drawing/2017/decorative" val="1"/>
+                </a:ext>
+              </a:extLst>
+            </p:cNvPr>
+            <p:cNvSpPr/>
+            <p:nvPr>
+              <p:extLst>
+                <p:ext uri="{386F3935-93C4-4BCD-93E2-E3B085C9AB24}">
+                  <p16:designElem xmlns:p16="http://schemas.microsoft.com/office/powerpoint/2015/main" val="1"/>
+                </p:ext>
+              </p:extLst>
+            </p:nvPr>
+          </p:nvSpPr>
+          <p:spPr bwMode="auto">
+            <a:xfrm>
+              <a:off x="1627188" y="5291138"/>
+              <a:ext cx="1495425" cy="1566863"/>
+            </a:xfrm>
+            <a:custGeom>
+              <a:avLst/>
+              <a:gdLst/>
+              <a:ahLst/>
+              <a:cxnLst/>
+              <a:rect l="0" t="0" r="r" b="b"/>
+              <a:pathLst>
+                <a:path w="942" h="987">
+                  <a:moveTo>
+                    <a:pt x="0" y="0"/>
+                  </a:moveTo>
+                  <a:lnTo>
+                    <a:pt x="909" y="987"/>
+                  </a:lnTo>
+                  <a:lnTo>
+                    <a:pt x="942" y="987"/>
+                  </a:lnTo>
+                  <a:lnTo>
+                    <a:pt x="0" y="0"/>
+                  </a:lnTo>
+                  <a:close/>
+                </a:path>
+              </a:pathLst>
+            </a:custGeom>
+            <a:solidFill>
+              <a:schemeClr val="accent1">
+                <a:lumMod val="50000"/>
+              </a:schemeClr>
+            </a:solidFill>
+            <a:ln>
+              <a:noFill/>
+            </a:ln>
+          </p:spPr>
+        </p:sp>
+        <p:sp>
+          <p:nvSpPr>
+            <p:cNvPr id="14" name="Freeform 10">
+              <a:extLst>
+                <a:ext uri="{FF2B5EF4-FFF2-40B4-BE49-F238E27FC236}">
+                  <a16:creationId xmlns:a16="http://schemas.microsoft.com/office/drawing/2014/main" id="{81EA3E26-BFCD-4396-AE8A-2A9828BFFBA2}"/>
+                </a:ext>
+                <a:ext uri="{C183D7F6-B498-43B3-948B-1728B52AA6E4}">
+                  <adec:decorative xmlns:adec="http://schemas.microsoft.com/office/drawing/2017/decorative" val="1"/>
+                </a:ext>
+              </a:extLst>
+            </p:cNvPr>
+            <p:cNvSpPr/>
+            <p:nvPr>
+              <p:extLst>
+                <p:ext uri="{386F3935-93C4-4BCD-93E2-E3B085C9AB24}">
+                  <p16:designElem xmlns:p16="http://schemas.microsoft.com/office/powerpoint/2015/main" val="1"/>
+                </p:ext>
+              </p:extLst>
+            </p:nvPr>
+          </p:nvSpPr>
+          <p:spPr bwMode="auto">
+            <a:xfrm>
+              <a:off x="1627188" y="5286375"/>
+              <a:ext cx="2130425" cy="1571625"/>
+            </a:xfrm>
+            <a:custGeom>
+              <a:avLst/>
+              <a:gdLst/>
+              <a:ahLst/>
+              <a:cxnLst/>
+              <a:rect l="0" t="0" r="r" b="b"/>
+              <a:pathLst>
+                <a:path w="1342" h="990">
+                  <a:moveTo>
+                    <a:pt x="0" y="3"/>
+                  </a:moveTo>
+                  <a:lnTo>
+                    <a:pt x="942" y="990"/>
+                  </a:lnTo>
+                  <a:lnTo>
+                    <a:pt x="1342" y="990"/>
+                  </a:lnTo>
+                  <a:lnTo>
+                    <a:pt x="156" y="27"/>
+                  </a:lnTo>
+                  <a:lnTo>
+                    <a:pt x="0" y="0"/>
+                  </a:lnTo>
+                  <a:lnTo>
+                    <a:pt x="0" y="3"/>
+                  </a:lnTo>
+                  <a:close/>
+                </a:path>
+              </a:pathLst>
+            </a:custGeom>
+            <a:solidFill>
+              <a:schemeClr val="accent1">
+                <a:lumMod val="75000"/>
+              </a:schemeClr>
+            </a:solidFill>
+            <a:ln>
+              <a:noFill/>
+            </a:ln>
+          </p:spPr>
+        </p:sp>
+        <p:sp>
+          <p:nvSpPr>
+            <p:cNvPr id="15" name="Freeform 11">
+              <a:extLst>
+                <a:ext uri="{FF2B5EF4-FFF2-40B4-BE49-F238E27FC236}">
+                  <a16:creationId xmlns:a16="http://schemas.microsoft.com/office/drawing/2014/main" id="{5F9BC582-73A6-4D8A-8738-E36476489351}"/>
+                </a:ext>
+                <a:ext uri="{C183D7F6-B498-43B3-948B-1728B52AA6E4}">
+                  <adec:decorative xmlns:adec="http://schemas.microsoft.com/office/drawing/2017/decorative" val="1"/>
+                </a:ext>
+              </a:extLst>
+            </p:cNvPr>
+            <p:cNvSpPr/>
+            <p:nvPr>
+              <p:extLst>
+                <p:ext uri="{386F3935-93C4-4BCD-93E2-E3B085C9AB24}">
+                  <p16:designElem xmlns:p16="http://schemas.microsoft.com/office/powerpoint/2015/main" val="1"/>
+                </p:ext>
+              </p:extLst>
+            </p:nvPr>
+          </p:nvSpPr>
+          <p:spPr bwMode="auto">
+            <a:xfrm>
+              <a:off x="1320800" y="5238750"/>
+              <a:ext cx="1695450" cy="1619250"/>
+            </a:xfrm>
+            <a:custGeom>
+              <a:avLst/>
+              <a:gdLst/>
+              <a:ahLst/>
+              <a:cxnLst/>
+              <a:rect l="0" t="0" r="r" b="b"/>
+              <a:pathLst>
+                <a:path w="1068" h="1020">
+                  <a:moveTo>
+                    <a:pt x="1068" y="1020"/>
+                  </a:moveTo>
+                  <a:lnTo>
+                    <a:pt x="184" y="60"/>
+                  </a:lnTo>
+                  <a:lnTo>
+                    <a:pt x="154" y="27"/>
+                  </a:lnTo>
+                  <a:lnTo>
+                    <a:pt x="157" y="27"/>
+                  </a:lnTo>
+                  <a:lnTo>
+                    <a:pt x="157" y="24"/>
+                  </a:lnTo>
+                  <a:lnTo>
+                    <a:pt x="154" y="24"/>
+                  </a:lnTo>
+                  <a:lnTo>
+                    <a:pt x="0" y="0"/>
+                  </a:lnTo>
+                  <a:lnTo>
+                    <a:pt x="0" y="0"/>
+                  </a:lnTo>
+                  <a:lnTo>
+                    <a:pt x="774" y="1020"/>
+                  </a:lnTo>
+                  <a:lnTo>
+                    <a:pt x="1068" y="1020"/>
+                  </a:lnTo>
+                  <a:close/>
+                </a:path>
+              </a:pathLst>
+            </a:custGeom>
+            <a:solidFill>
+              <a:schemeClr val="tx1">
+                <a:lumMod val="75000"/>
+                <a:lumOff val="25000"/>
+              </a:schemeClr>
+            </a:solidFill>
+            <a:ln>
+              <a:noFill/>
+            </a:ln>
+          </p:spPr>
+        </p:sp>
+      </p:grpSp>
+      <p:sp useBgFill="1">
+        <p:nvSpPr>
+          <p:cNvPr id="17" name="Rectangle 16">
+            <a:extLst>
+              <a:ext uri="{FF2B5EF4-FFF2-40B4-BE49-F238E27FC236}">
+                <a16:creationId xmlns:a16="http://schemas.microsoft.com/office/drawing/2014/main" id="{6AD30037-67ED-4367-9BE0-45787510BF13}"/>
+              </a:ext>
+              <a:ext uri="{C183D7F6-B498-43B3-948B-1728B52AA6E4}">
+                <adec:decorative xmlns:adec="http://schemas.microsoft.com/office/drawing/2017/decorative" val="1"/>
+              </a:ext>
+            </a:extLst>
+          </p:cNvPr>
+          <p:cNvSpPr>
+            <a:spLocks noGrp="1" noRot="1" noChangeAspect="1" noMove="1" noResize="1" noEditPoints="1" noAdjustHandles="1" noChangeArrowheads="1" noChangeShapeType="1" noTextEdit="1"/>
+          </p:cNvSpPr>
+          <p:nvPr>
+            <p:extLst>
+              <p:ext uri="{386F3935-93C4-4BCD-93E2-E3B085C9AB24}">
+                <p16:designElem xmlns:p16="http://schemas.microsoft.com/office/powerpoint/2015/main" val="1"/>
+              </p:ext>
+            </p:extLst>
+          </p:nvPr>
+        </p:nvSpPr>
+        <p:spPr>
+          <a:xfrm>
+            <a:off x="0" y="0"/>
+            <a:ext cx="12192000" cy="6858000"/>
+          </a:xfrm>
+          <a:prstGeom prst="rect">
+            <a:avLst/>
+          </a:prstGeom>
+          <a:ln>
+            <a:noFill/>
+          </a:ln>
+        </p:spPr>
+        <p:style>
+          <a:lnRef idx="2">
+            <a:schemeClr val="accent1">
+              <a:shade val="50000"/>
+            </a:schemeClr>
+          </a:lnRef>
+          <a:fillRef idx="1">
+            <a:schemeClr val="accent1"/>
+          </a:fillRef>
+          <a:effectRef idx="0">
+            <a:schemeClr val="accent1"/>
+          </a:effectRef>
+          <a:fontRef idx="minor">
+            <a:schemeClr val="lt1"/>
+          </a:fontRef>
+        </p:style>
+        <p:txBody>
+          <a:bodyPr rtlCol="0" anchor="ctr"/>
+          <a:lstStyle/>
+          <a:p>
+            <a:pPr algn="ctr"/>
+            <a:endParaRPr lang="en-US"/>
+          </a:p>
+        </p:txBody>
+      </p:sp>
+      <p:pic>
+        <p:nvPicPr>
+          <p:cNvPr id="5" name="Picture 4" descr="Vintage bike parked on country road at sunset">
+            <a:extLst>
+              <a:ext uri="{FF2B5EF4-FFF2-40B4-BE49-F238E27FC236}">
+                <a16:creationId xmlns:a16="http://schemas.microsoft.com/office/drawing/2014/main" id="{2958FA6C-F6A5-42BD-B335-F70A4BCBE016}"/>
+              </a:ext>
+            </a:extLst>
+          </p:cNvPr>
+          <p:cNvPicPr>
+            <a:picLocks noChangeAspect="1"/>
+          </p:cNvPicPr>
+          <p:nvPr/>
+        </p:nvPicPr>
+        <p:blipFill rotWithShape="1">
+          <a:blip r:embed="rId3"/>
+          <a:srcRect l="40231" r="8191" b="-1"/>
+          <a:stretch/>
+        </p:blipFill>
+        <p:spPr>
+          <a:xfrm>
+            <a:off x="6892924" y="10"/>
+            <a:ext cx="5299077" cy="6857990"/>
+          </a:xfrm>
+          <a:custGeom>
+            <a:avLst/>
+            <a:gdLst/>
+            <a:ahLst/>
+            <a:cxnLst/>
+            <a:rect l="l" t="t" r="r" b="b"/>
+            <a:pathLst>
+              <a:path w="5299077" h="6858000">
+                <a:moveTo>
+                  <a:pt x="836871" y="0"/>
+                </a:moveTo>
+                <a:lnTo>
+                  <a:pt x="5299077" y="0"/>
+                </a:lnTo>
+                <a:lnTo>
+                  <a:pt x="5299077" y="6858000"/>
+                </a:lnTo>
+                <a:lnTo>
+                  <a:pt x="1911312" y="6858000"/>
+                </a:lnTo>
+                <a:lnTo>
+                  <a:pt x="0" y="5333999"/>
+                </a:lnTo>
+                <a:close/>
+              </a:path>
+            </a:pathLst>
+          </a:custGeom>
+        </p:spPr>
+      </p:pic>
+      <p:grpSp>
+        <p:nvGrpSpPr>
+          <p:cNvPr id="19" name="Group 18">
+            <a:extLst>
+              <a:ext uri="{FF2B5EF4-FFF2-40B4-BE49-F238E27FC236}">
+                <a16:creationId xmlns:a16="http://schemas.microsoft.com/office/drawing/2014/main" id="{50841A4E-5BC1-44B4-83CF-D524E8AEAD64}"/>
+              </a:ext>
+              <a:ext uri="{C183D7F6-B498-43B3-948B-1728B52AA6E4}">
+                <adec:decorative xmlns:adec="http://schemas.microsoft.com/office/drawing/2017/decorative" val="1"/>
+              </a:ext>
+            </a:extLst>
+          </p:cNvPr>
+          <p:cNvGrpSpPr>
+            <a:grpSpLocks noGrp="1" noUngrp="1" noRot="1" noChangeAspect="1" noMove="1" noResize="1"/>
+          </p:cNvGrpSpPr>
+          <p:nvPr>
+            <p:extLst>
+              <p:ext uri="{386F3935-93C4-4BCD-93E2-E3B085C9AB24}">
+                <p16:designElem xmlns:p16="http://schemas.microsoft.com/office/powerpoint/2015/main" val="1"/>
+              </p:ext>
+            </p:extLst>
+          </p:nvPr>
+        </p:nvGrpSpPr>
+        <p:grpSpPr>
+          <a:xfrm>
+            <a:off x="6232760" y="0"/>
+            <a:ext cx="2436813" cy="6858001"/>
+            <a:chOff x="1320800" y="0"/>
+            <a:chExt cx="2436813" cy="6858001"/>
+          </a:xfrm>
+        </p:grpSpPr>
+        <p:sp>
+          <p:nvSpPr>
+            <p:cNvPr id="20" name="Freeform 6">
+              <a:extLst>
+                <a:ext uri="{FF2B5EF4-FFF2-40B4-BE49-F238E27FC236}">
+                  <a16:creationId xmlns:a16="http://schemas.microsoft.com/office/drawing/2014/main" id="{BF371BCC-8954-44E2-8C4F-29DC188727AC}"/>
+                </a:ext>
+                <a:ext uri="{C183D7F6-B498-43B3-948B-1728B52AA6E4}">
+                  <adec:decorative xmlns:adec="http://schemas.microsoft.com/office/drawing/2017/decorative" val="1"/>
+                </a:ext>
+              </a:extLst>
+            </p:cNvPr>
+            <p:cNvSpPr/>
+            <p:nvPr>
+              <p:extLst>
+                <p:ext uri="{386F3935-93C4-4BCD-93E2-E3B085C9AB24}">
+                  <p16:designElem xmlns:p16="http://schemas.microsoft.com/office/powerpoint/2015/main" val="1"/>
+                </p:ext>
+              </p:extLst>
+            </p:nvPr>
+          </p:nvSpPr>
+          <p:spPr bwMode="auto">
+            <a:xfrm>
+              <a:off x="1627188" y="0"/>
+              <a:ext cx="1122363" cy="5329238"/>
+            </a:xfrm>
+            <a:custGeom>
+              <a:avLst/>
+              <a:gdLst/>
+              <a:ahLst/>
+              <a:cxnLst/>
+              <a:rect l="0" t="0" r="r" b="b"/>
+              <a:pathLst>
+                <a:path w="707" h="3357">
+                  <a:moveTo>
+                    <a:pt x="0" y="3330"/>
+                  </a:moveTo>
+                  <a:lnTo>
+                    <a:pt x="156" y="3357"/>
+                  </a:lnTo>
+                  <a:lnTo>
+                    <a:pt x="707" y="0"/>
+                  </a:lnTo>
+                  <a:lnTo>
+                    <a:pt x="547" y="0"/>
+                  </a:lnTo>
+                  <a:lnTo>
+                    <a:pt x="0" y="3330"/>
+                  </a:lnTo>
+                  <a:close/>
+                </a:path>
+              </a:pathLst>
+            </a:custGeom>
+            <a:solidFill>
+              <a:schemeClr val="accent1"/>
+            </a:solidFill>
+            <a:ln>
+              <a:noFill/>
+            </a:ln>
+          </p:spPr>
+        </p:sp>
+        <p:sp>
+          <p:nvSpPr>
+            <p:cNvPr id="21" name="Freeform 7">
+              <a:extLst>
+                <a:ext uri="{FF2B5EF4-FFF2-40B4-BE49-F238E27FC236}">
+                  <a16:creationId xmlns:a16="http://schemas.microsoft.com/office/drawing/2014/main" id="{CD3505BE-B420-41C5-BE34-3E7652D37A5F}"/>
+                </a:ext>
+                <a:ext uri="{C183D7F6-B498-43B3-948B-1728B52AA6E4}">
+                  <adec:decorative xmlns:adec="http://schemas.microsoft.com/office/drawing/2017/decorative" val="1"/>
+                </a:ext>
+              </a:extLst>
+            </p:cNvPr>
+            <p:cNvSpPr/>
+            <p:nvPr>
+              <p:extLst>
+                <p:ext uri="{386F3935-93C4-4BCD-93E2-E3B085C9AB24}">
+                  <p16:designElem xmlns:p16="http://schemas.microsoft.com/office/powerpoint/2015/main" val="1"/>
+                </p:ext>
+              </p:extLst>
+            </p:nvPr>
+          </p:nvSpPr>
+          <p:spPr bwMode="auto">
+            <a:xfrm>
+              <a:off x="1320800" y="0"/>
+              <a:ext cx="1117600" cy="5276850"/>
+            </a:xfrm>
+            <a:custGeom>
+              <a:avLst/>
+              <a:gdLst/>
+              <a:ahLst/>
+              <a:cxnLst/>
+              <a:rect l="0" t="0" r="r" b="b"/>
+              <a:pathLst>
+                <a:path w="704" h="3324">
+                  <a:moveTo>
+                    <a:pt x="704" y="0"/>
+                  </a:moveTo>
+                  <a:lnTo>
+                    <a:pt x="545" y="0"/>
+                  </a:lnTo>
+                  <a:lnTo>
+                    <a:pt x="0" y="3300"/>
+                  </a:lnTo>
+                  <a:lnTo>
+                    <a:pt x="157" y="3324"/>
+                  </a:lnTo>
+                  <a:lnTo>
+                    <a:pt x="704" y="0"/>
+                  </a:lnTo>
+                  <a:close/>
+                </a:path>
+              </a:pathLst>
+            </a:custGeom>
+            <a:solidFill>
+              <a:schemeClr val="tx1">
+                <a:lumMod val="65000"/>
+                <a:lumOff val="35000"/>
+              </a:schemeClr>
+            </a:solidFill>
+            <a:ln>
+              <a:noFill/>
+            </a:ln>
+          </p:spPr>
+        </p:sp>
+        <p:sp>
+          <p:nvSpPr>
+            <p:cNvPr id="22" name="Freeform 8">
+              <a:extLst>
+                <a:ext uri="{FF2B5EF4-FFF2-40B4-BE49-F238E27FC236}">
+                  <a16:creationId xmlns:a16="http://schemas.microsoft.com/office/drawing/2014/main" id="{4B68A05B-A78B-4D59-8CF9-1900731A2188}"/>
+                </a:ext>
+                <a:ext uri="{C183D7F6-B498-43B3-948B-1728B52AA6E4}">
+                  <adec:decorative xmlns:adec="http://schemas.microsoft.com/office/drawing/2017/decorative" val="1"/>
+                </a:ext>
+              </a:extLst>
+            </p:cNvPr>
+            <p:cNvSpPr/>
+            <p:nvPr>
+              <p:extLst>
+                <p:ext uri="{386F3935-93C4-4BCD-93E2-E3B085C9AB24}">
+                  <p16:designElem xmlns:p16="http://schemas.microsoft.com/office/powerpoint/2015/main" val="1"/>
+                </p:ext>
+              </p:extLst>
+            </p:nvPr>
+          </p:nvSpPr>
+          <p:spPr bwMode="auto">
+            <a:xfrm>
+              <a:off x="1320800" y="5238750"/>
+              <a:ext cx="1228725" cy="1619250"/>
+            </a:xfrm>
+            <a:custGeom>
+              <a:avLst/>
+              <a:gdLst/>
+              <a:ahLst/>
+              <a:cxnLst/>
+              <a:rect l="0" t="0" r="r" b="b"/>
+              <a:pathLst>
+                <a:path w="774" h="1020">
+                  <a:moveTo>
+                    <a:pt x="0" y="0"/>
+                  </a:moveTo>
+                  <a:lnTo>
+                    <a:pt x="740" y="1020"/>
+                  </a:lnTo>
+                  <a:lnTo>
+                    <a:pt x="774" y="1020"/>
+                  </a:lnTo>
+                  <a:lnTo>
+                    <a:pt x="0" y="0"/>
+                  </a:lnTo>
+                  <a:close/>
+                </a:path>
+              </a:pathLst>
+            </a:custGeom>
+            <a:solidFill>
+              <a:schemeClr val="tx1">
+                <a:lumMod val="85000"/>
+                <a:lumOff val="15000"/>
+              </a:schemeClr>
+            </a:solidFill>
+            <a:ln>
+              <a:noFill/>
+            </a:ln>
+          </p:spPr>
+        </p:sp>
+        <p:sp>
+          <p:nvSpPr>
+            <p:cNvPr id="23" name="Freeform 9">
+              <a:extLst>
+                <a:ext uri="{FF2B5EF4-FFF2-40B4-BE49-F238E27FC236}">
+                  <a16:creationId xmlns:a16="http://schemas.microsoft.com/office/drawing/2014/main" id="{84D57A01-C112-4FF2-B5ED-0B762AAD9CE2}"/>
+                </a:ext>
+                <a:ext uri="{C183D7F6-B498-43B3-948B-1728B52AA6E4}">
+                  <adec:decorative xmlns:adec="http://schemas.microsoft.com/office/drawing/2017/decorative" val="1"/>
+                </a:ext>
+              </a:extLst>
+            </p:cNvPr>
+            <p:cNvSpPr/>
+            <p:nvPr>
+              <p:extLst>
+                <p:ext uri="{386F3935-93C4-4BCD-93E2-E3B085C9AB24}">
+                  <p16:designElem xmlns:p16="http://schemas.microsoft.com/office/powerpoint/2015/main" val="1"/>
+                </p:ext>
+              </p:extLst>
+            </p:nvPr>
+          </p:nvSpPr>
+          <p:spPr bwMode="auto">
+            <a:xfrm>
+              <a:off x="1627188" y="5291138"/>
+              <a:ext cx="1495425" cy="1566863"/>
+            </a:xfrm>
+            <a:custGeom>
+              <a:avLst/>
+              <a:gdLst/>
+              <a:ahLst/>
+              <a:cxnLst/>
+              <a:rect l="0" t="0" r="r" b="b"/>
+              <a:pathLst>
+                <a:path w="942" h="987">
+                  <a:moveTo>
+                    <a:pt x="0" y="0"/>
+                  </a:moveTo>
+                  <a:lnTo>
+                    <a:pt x="909" y="987"/>
+                  </a:lnTo>
+                  <a:lnTo>
+                    <a:pt x="942" y="987"/>
+                  </a:lnTo>
+                  <a:lnTo>
+                    <a:pt x="0" y="0"/>
+                  </a:lnTo>
+                  <a:close/>
+                </a:path>
+              </a:pathLst>
+            </a:custGeom>
+            <a:solidFill>
+              <a:schemeClr val="accent1">
+                <a:lumMod val="50000"/>
+              </a:schemeClr>
+            </a:solidFill>
+            <a:ln>
+              <a:noFill/>
+            </a:ln>
+          </p:spPr>
+        </p:sp>
+        <p:sp>
+          <p:nvSpPr>
+            <p:cNvPr id="24" name="Freeform 10">
+              <a:extLst>
+                <a:ext uri="{FF2B5EF4-FFF2-40B4-BE49-F238E27FC236}">
+                  <a16:creationId xmlns:a16="http://schemas.microsoft.com/office/drawing/2014/main" id="{6CCCCDF1-5D4F-4CA1-8400-DFBB96BB011D}"/>
+                </a:ext>
+                <a:ext uri="{C183D7F6-B498-43B3-948B-1728B52AA6E4}">
+                  <adec:decorative xmlns:adec="http://schemas.microsoft.com/office/drawing/2017/decorative" val="1"/>
+                </a:ext>
+              </a:extLst>
+            </p:cNvPr>
+            <p:cNvSpPr/>
+            <p:nvPr>
+              <p:extLst>
+                <p:ext uri="{386F3935-93C4-4BCD-93E2-E3B085C9AB24}">
+                  <p16:designElem xmlns:p16="http://schemas.microsoft.com/office/powerpoint/2015/main" val="1"/>
+                </p:ext>
+              </p:extLst>
+            </p:nvPr>
+          </p:nvSpPr>
+          <p:spPr bwMode="auto">
+            <a:xfrm>
+              <a:off x="1627188" y="5286375"/>
+              <a:ext cx="2130425" cy="1571625"/>
+            </a:xfrm>
+            <a:custGeom>
+              <a:avLst/>
+              <a:gdLst/>
+              <a:ahLst/>
+              <a:cxnLst/>
+              <a:rect l="0" t="0" r="r" b="b"/>
+              <a:pathLst>
+                <a:path w="1342" h="990">
+                  <a:moveTo>
+                    <a:pt x="0" y="3"/>
+                  </a:moveTo>
+                  <a:lnTo>
+                    <a:pt x="942" y="990"/>
+                  </a:lnTo>
+                  <a:lnTo>
+                    <a:pt x="1342" y="990"/>
+                  </a:lnTo>
+                  <a:lnTo>
+                    <a:pt x="156" y="27"/>
+                  </a:lnTo>
+                  <a:lnTo>
+                    <a:pt x="0" y="0"/>
+                  </a:lnTo>
+                  <a:lnTo>
+                    <a:pt x="0" y="3"/>
+                  </a:lnTo>
+                  <a:close/>
+                </a:path>
+              </a:pathLst>
+            </a:custGeom>
+            <a:solidFill>
+              <a:schemeClr val="accent1">
+                <a:lumMod val="75000"/>
+              </a:schemeClr>
+            </a:solidFill>
+            <a:ln>
+              <a:noFill/>
+            </a:ln>
+          </p:spPr>
+        </p:sp>
+        <p:sp>
+          <p:nvSpPr>
+            <p:cNvPr id="25" name="Freeform 11">
+              <a:extLst>
+                <a:ext uri="{FF2B5EF4-FFF2-40B4-BE49-F238E27FC236}">
+                  <a16:creationId xmlns:a16="http://schemas.microsoft.com/office/drawing/2014/main" id="{20A090B2-5344-43CD-BC70-A6D44F15E800}"/>
+                </a:ext>
+                <a:ext uri="{C183D7F6-B498-43B3-948B-1728B52AA6E4}">
+                  <adec:decorative xmlns:adec="http://schemas.microsoft.com/office/drawing/2017/decorative" val="1"/>
+                </a:ext>
+              </a:extLst>
+            </p:cNvPr>
+            <p:cNvSpPr/>
+            <p:nvPr>
+              <p:extLst>
+                <p:ext uri="{386F3935-93C4-4BCD-93E2-E3B085C9AB24}">
+                  <p16:designElem xmlns:p16="http://schemas.microsoft.com/office/powerpoint/2015/main" val="1"/>
+                </p:ext>
+              </p:extLst>
+            </p:nvPr>
+          </p:nvSpPr>
+          <p:spPr bwMode="auto">
+            <a:xfrm>
+              <a:off x="1320800" y="5238750"/>
+              <a:ext cx="1695450" cy="1619250"/>
+            </a:xfrm>
+            <a:custGeom>
+              <a:avLst/>
+              <a:gdLst/>
+              <a:ahLst/>
+              <a:cxnLst/>
+              <a:rect l="0" t="0" r="r" b="b"/>
+              <a:pathLst>
+                <a:path w="1068" h="1020">
+                  <a:moveTo>
+                    <a:pt x="1068" y="1020"/>
+                  </a:moveTo>
+                  <a:lnTo>
+                    <a:pt x="184" y="60"/>
+                  </a:lnTo>
+                  <a:lnTo>
+                    <a:pt x="154" y="27"/>
+                  </a:lnTo>
+                  <a:lnTo>
+                    <a:pt x="157" y="27"/>
+                  </a:lnTo>
+                  <a:lnTo>
+                    <a:pt x="157" y="24"/>
+                  </a:lnTo>
+                  <a:lnTo>
+                    <a:pt x="154" y="24"/>
+                  </a:lnTo>
+                  <a:lnTo>
+                    <a:pt x="0" y="0"/>
+                  </a:lnTo>
+                  <a:lnTo>
+                    <a:pt x="0" y="0"/>
+                  </a:lnTo>
+                  <a:lnTo>
+                    <a:pt x="774" y="1020"/>
+                  </a:lnTo>
+                  <a:lnTo>
+                    <a:pt x="1068" y="1020"/>
+                  </a:lnTo>
+                  <a:close/>
+                </a:path>
+              </a:pathLst>
+            </a:custGeom>
+            <a:solidFill>
+              <a:schemeClr val="tx1">
+                <a:lumMod val="75000"/>
+                <a:lumOff val="25000"/>
+              </a:schemeClr>
+            </a:solidFill>
+            <a:ln>
+              <a:noFill/>
+            </a:ln>
+          </p:spPr>
+        </p:sp>
+      </p:grpSp>
       <p:sp>
         <p:nvSpPr>
           <p:cNvPr id="2" name="Title 1">
@@ -6255,16 +7235,21 @@
             <p:ph type="ctrTitle"/>
           </p:nvPr>
         </p:nvSpPr>
-        <p:spPr/>
-        <p:txBody>
-          <a:bodyPr>
+        <p:spPr>
+          <a:xfrm>
+            <a:off x="972080" y="685800"/>
+            <a:ext cx="5260680" cy="1752599"/>
+          </a:xfrm>
+        </p:spPr>
+        <p:txBody>
+          <a:bodyPr vert="horz" lIns="91440" tIns="45720" rIns="91440" bIns="45720" rtlCol="0" anchor="ctr">
             <a:normAutofit/>
           </a:bodyPr>
           <a:lstStyle/>
           <a:p>
-            <a:pPr algn="ctr"/>
-            <a:r>
-              <a:rPr lang="en-CA" dirty="0"/>
+            <a:pPr algn="l"/>
+            <a:r>
+              <a:rPr lang="en-US" sz="4000" dirty="0"/>
               <a:t>Cycling Transportation in Toronto</a:t>
             </a:r>
           </a:p>
@@ -6284,53 +7269,52 @@
         </p:nvSpPr>
         <p:spPr>
           <a:xfrm>
-            <a:off x="3391270" y="4438836"/>
-            <a:ext cx="7483875" cy="1200329"/>
+            <a:off x="643468" y="2666999"/>
+            <a:ext cx="5260680" cy="3124201"/>
           </a:xfrm>
           <a:prstGeom prst="rect">
             <a:avLst/>
           </a:prstGeom>
-          <a:noFill/>
         </p:spPr>
         <p:txBody>
-          <a:bodyPr wrap="square" rtlCol="0">
-            <a:spAutoFit/>
+          <a:bodyPr vert="horz" lIns="91440" tIns="45720" rIns="91440" bIns="45720" rtlCol="0" anchor="ctr">
+            <a:normAutofit/>
           </a:bodyPr>
           <a:lstStyle/>
           <a:p>
-            <a:pPr algn="ctr"/>
-            <a:r>
-              <a:rPr lang="en-US" sz="3600"/>
-              <a:t>By: </a:t>
-            </a:r>
-            <a:r>
-              <a:rPr lang="en-US" sz="3600" dirty="0"/>
-              <a:t>Shimon </a:t>
-            </a:r>
-            <a:r>
-              <a:rPr lang="en-US" sz="3600"/>
-              <a:t>Nauenberg </a:t>
-            </a:r>
-          </a:p>
-          <a:p>
-            <a:pPr algn="ctr"/>
-            <a:r>
-              <a:rPr lang="en-US" sz="3600" dirty="0"/>
-              <a:t>and </a:t>
-            </a:r>
-            <a:r>
-              <a:rPr lang="en-US" sz="3600" dirty="0" err="1"/>
+            <a:pPr>
+              <a:spcBef>
+                <a:spcPct val="20000"/>
+              </a:spcBef>
+              <a:spcAft>
+                <a:spcPts val="600"/>
+              </a:spcAft>
+              <a:buClr>
+                <a:schemeClr val="accent1">
+                  <a:lumMod val="75000"/>
+                </a:schemeClr>
+              </a:buClr>
+              <a:buSzPct val="145000"/>
+              <a:buFont typeface="Arial"/>
+              <a:buChar char="•"/>
+            </a:pPr>
+            <a:r>
+              <a:rPr lang="en-US" sz="2000" dirty="0"/>
+              <a:t>By: Shimon Nauenberg and </a:t>
+            </a:r>
+            <a:r>
+              <a:rPr lang="en-US" sz="2000" dirty="0" err="1"/>
               <a:t>Sagnik</a:t>
             </a:r>
             <a:r>
-              <a:rPr lang="en-US" sz="3600" dirty="0"/>
+              <a:rPr lang="en-US" sz="2000" dirty="0"/>
               <a:t> </a:t>
             </a:r>
             <a:r>
-              <a:rPr lang="en-US" sz="3600" dirty="0" err="1"/>
+              <a:rPr lang="en-US" sz="2000" dirty="0" err="1"/>
               <a:t>Adusumilli</a:t>
             </a:r>
-            <a:endParaRPr lang="en-US" sz="3600" dirty="0"/>
+            <a:endParaRPr lang="en-US" sz="2000" dirty="0"/>
           </a:p>
         </p:txBody>
       </p:sp>
@@ -6415,7 +7399,7 @@
           <a:p>
             <a:r>
               <a:rPr lang="en-CA" dirty="0"/>
-              <a:t>Data related to public transport in Toronto</a:t>
+              <a:t>Data related to cycling transportation in Toronto</a:t>
             </a:r>
           </a:p>
           <a:p>
@@ -6487,7 +7471,7 @@
           <a:p>
             <a:r>
               <a:rPr lang="en-CA" dirty="0"/>
-              <a:t> Original Questions</a:t>
+              <a:t> Questions</a:t>
             </a:r>
           </a:p>
         </p:txBody>
@@ -7011,6 +7995,53 @@
           </a:p>
         </p:txBody>
       </p:sp>
+      <p:pic>
+        <p:nvPicPr>
+          <p:cNvPr id="1026" name="Picture 2">
+            <a:extLst>
+              <a:ext uri="{FF2B5EF4-FFF2-40B4-BE49-F238E27FC236}">
+                <a16:creationId xmlns:a16="http://schemas.microsoft.com/office/drawing/2014/main" id="{218F4F4B-2768-4B52-99AC-B9AF948D3514}"/>
+              </a:ext>
+            </a:extLst>
+          </p:cNvPr>
+          <p:cNvPicPr>
+            <a:picLocks noChangeAspect="1" noChangeArrowheads="1"/>
+          </p:cNvPicPr>
+          <p:nvPr/>
+        </p:nvPicPr>
+        <p:blipFill>
+          <a:blip r:embed="rId2">
+            <a:extLst>
+              <a:ext uri="{28A0092B-C50C-407E-A947-70E740481C1C}">
+                <a14:useLocalDpi xmlns:a14="http://schemas.microsoft.com/office/drawing/2010/main" val="0"/>
+              </a:ext>
+            </a:extLst>
+          </a:blip>
+          <a:srcRect/>
+          <a:stretch>
+            <a:fillRect/>
+          </a:stretch>
+        </p:blipFill>
+        <p:spPr bwMode="auto">
+          <a:xfrm>
+            <a:off x="8499014" y="185392"/>
+            <a:ext cx="3004009" cy="2253007"/>
+          </a:xfrm>
+          <a:prstGeom prst="rect">
+            <a:avLst/>
+          </a:prstGeom>
+          <a:noFill/>
+          <a:extLst>
+            <a:ext uri="{909E8E84-426E-40DD-AFC4-6F175D3DCCD1}">
+              <a14:hiddenFill xmlns:a14="http://schemas.microsoft.com/office/drawing/2010/main">
+                <a:solidFill>
+                  <a:srgbClr val="FFFFFF"/>
+                </a:solidFill>
+              </a14:hiddenFill>
+            </a:ext>
+          </a:extLst>
+        </p:spPr>
+      </p:pic>
     </p:spTree>
     <p:extLst>
       <p:ext uri="{BB962C8B-B14F-4D97-AF65-F5344CB8AC3E}">
@@ -7042,7 +8073,7 @@
                             </p:stCondLst>
                             <p:childTnLst>
                               <p:par>
-                                <p:cTn id="5" presetID="1" presetClass="entr" presetSubtype="0" fill="hold" nodeType="clickEffect">
+                                <p:cTn id="5" presetID="21" presetClass="entr" presetSubtype="1" fill="hold" nodeType="clickEffect">
                                   <p:stCondLst>
                                     <p:cond delay="0"/>
                                   </p:stCondLst>
@@ -7050,6 +8081,59 @@
                                     <p:set>
                                       <p:cBhvr>
                                         <p:cTn id="6" dur="1" fill="hold">
+                                          <p:stCondLst>
+                                            <p:cond delay="0"/>
+                                          </p:stCondLst>
+                                        </p:cTn>
+                                        <p:tgtEl>
+                                          <p:spTgt spid="1026"/>
+                                        </p:tgtEl>
+                                        <p:attrNameLst>
+                                          <p:attrName>style.visibility</p:attrName>
+                                        </p:attrNameLst>
+                                      </p:cBhvr>
+                                      <p:to>
+                                        <p:strVal val="visible"/>
+                                      </p:to>
+                                    </p:set>
+                                    <p:animEffect transition="in" filter="wheel(1)">
+                                      <p:cBhvr>
+                                        <p:cTn id="7" dur="2000"/>
+                                        <p:tgtEl>
+                                          <p:spTgt spid="1026"/>
+                                        </p:tgtEl>
+                                      </p:cBhvr>
+                                    </p:animEffect>
+                                  </p:childTnLst>
+                                </p:cTn>
+                              </p:par>
+                            </p:childTnLst>
+                          </p:cTn>
+                        </p:par>
+                      </p:childTnLst>
+                    </p:cTn>
+                  </p:par>
+                  <p:par>
+                    <p:cTn id="8" fill="hold">
+                      <p:stCondLst>
+                        <p:cond delay="indefinite"/>
+                      </p:stCondLst>
+                      <p:childTnLst>
+                        <p:par>
+                          <p:cTn id="9" fill="hold">
+                            <p:stCondLst>
+                              <p:cond delay="0"/>
+                            </p:stCondLst>
+                            <p:childTnLst>
+                              <p:par>
+                                <p:cTn id="10" presetID="1" presetClass="entr" presetSubtype="0" fill="hold" nodeType="clickEffect">
+                                  <p:stCondLst>
+                                    <p:cond delay="0"/>
+                                  </p:stCondLst>
+                                  <p:childTnLst>
+                                    <p:set>
+                                      <p:cBhvr>
+                                        <p:cTn id="11" dur="1" fill="hold">
                                           <p:stCondLst>
                                             <p:cond delay="0"/>
                                           </p:stCondLst>
@@ -7073,14 +8157,14 @@
                                 </p:cTn>
                               </p:par>
                               <p:par>
-                                <p:cTn id="7" presetID="1" presetClass="entr" presetSubtype="0" fill="hold" nodeType="withEffect">
+                                <p:cTn id="12" presetID="1" presetClass="entr" presetSubtype="0" fill="hold" nodeType="withEffect">
                                   <p:stCondLst>
                                     <p:cond delay="0"/>
                                   </p:stCondLst>
                                   <p:childTnLst>
                                     <p:set>
                                       <p:cBhvr>
-                                        <p:cTn id="8" dur="1" fill="hold">
+                                        <p:cTn id="13" dur="1" fill="hold">
                                           <p:stCondLst>
                                             <p:cond delay="0"/>
                                           </p:stCondLst>
@@ -7104,14 +8188,14 @@
                                 </p:cTn>
                               </p:par>
                               <p:par>
-                                <p:cTn id="9" presetID="1" presetClass="entr" presetSubtype="0" fill="hold" nodeType="withEffect">
+                                <p:cTn id="14" presetID="1" presetClass="entr" presetSubtype="0" fill="hold" nodeType="withEffect">
                                   <p:stCondLst>
                                     <p:cond delay="0"/>
                                   </p:stCondLst>
                                   <p:childTnLst>
                                     <p:set>
                                       <p:cBhvr>
-                                        <p:cTn id="10" dur="1" fill="hold">
+                                        <p:cTn id="15" dur="1" fill="hold">
                                           <p:stCondLst>
                                             <p:cond delay="0"/>
                                           </p:stCondLst>
@@ -7135,14 +8219,14 @@
                                 </p:cTn>
                               </p:par>
                               <p:par>
-                                <p:cTn id="11" presetID="1" presetClass="entr" presetSubtype="0" fill="hold" nodeType="withEffect">
+                                <p:cTn id="16" presetID="1" presetClass="entr" presetSubtype="0" fill="hold" nodeType="withEffect">
                                   <p:stCondLst>
                                     <p:cond delay="0"/>
                                   </p:stCondLst>
                                   <p:childTnLst>
                                     <p:set>
                                       <p:cBhvr>
-                                        <p:cTn id="12" dur="1" fill="hold">
+                                        <p:cTn id="17" dur="1" fill="hold">
                                           <p:stCondLst>
                                             <p:cond delay="0"/>
                                           </p:stCondLst>
@@ -7166,14 +8250,14 @@
                                 </p:cTn>
                               </p:par>
                               <p:par>
-                                <p:cTn id="13" presetID="1" presetClass="entr" presetSubtype="0" fill="hold" nodeType="withEffect">
+                                <p:cTn id="18" presetID="1" presetClass="entr" presetSubtype="0" fill="hold" nodeType="withEffect">
                                   <p:stCondLst>
                                     <p:cond delay="0"/>
                                   </p:stCondLst>
                                   <p:childTnLst>
                                     <p:set>
                                       <p:cBhvr>
-                                        <p:cTn id="14" dur="1" fill="hold">
+                                        <p:cTn id="19" dur="1" fill="hold">
                                           <p:stCondLst>
                                             <p:cond delay="0"/>
                                           </p:stCondLst>
@@ -7197,14 +8281,14 @@
                                 </p:cTn>
                               </p:par>
                               <p:par>
-                                <p:cTn id="15" presetID="1" presetClass="entr" presetSubtype="0" fill="hold" nodeType="withEffect">
+                                <p:cTn id="20" presetID="1" presetClass="entr" presetSubtype="0" fill="hold" nodeType="withEffect">
                                   <p:stCondLst>
                                     <p:cond delay="0"/>
                                   </p:stCondLst>
                                   <p:childTnLst>
                                     <p:set>
                                       <p:cBhvr>
-                                        <p:cTn id="16" dur="1" fill="hold">
+                                        <p:cTn id="21" dur="1" fill="hold">
                                           <p:stCondLst>
                                             <p:cond delay="0"/>
                                           </p:stCondLst>
@@ -7234,26 +8318,26 @@
                     </p:cTn>
                   </p:par>
                   <p:par>
-                    <p:cTn id="17" fill="hold">
+                    <p:cTn id="22" fill="hold">
                       <p:stCondLst>
                         <p:cond delay="indefinite"/>
                       </p:stCondLst>
                       <p:childTnLst>
                         <p:par>
-                          <p:cTn id="18" fill="hold">
+                          <p:cTn id="23" fill="hold">
                             <p:stCondLst>
                               <p:cond delay="0"/>
                             </p:stCondLst>
                             <p:childTnLst>
                               <p:par>
-                                <p:cTn id="19" presetID="1" presetClass="entr" presetSubtype="0" fill="hold" nodeType="clickEffect">
+                                <p:cTn id="24" presetID="1" presetClass="entr" presetSubtype="0" fill="hold" nodeType="clickEffect">
                                   <p:stCondLst>
                                     <p:cond delay="0"/>
                                   </p:stCondLst>
                                   <p:childTnLst>
                                     <p:set>
                                       <p:cBhvr>
-                                        <p:cTn id="20" dur="1" fill="hold">
+                                        <p:cTn id="25" dur="1" fill="hold">
                                           <p:stCondLst>
                                             <p:cond delay="0"/>
                                           </p:stCondLst>
@@ -7370,18 +8454,40 @@
         </p:nvSpPr>
         <p:spPr/>
         <p:txBody>
-          <a:bodyPr/>
+          <a:bodyPr>
+            <a:normAutofit fontScale="85000" lnSpcReduction="10000"/>
+          </a:bodyPr>
           <a:lstStyle/>
           <a:p>
             <a:r>
               <a:rPr lang="en-CA" dirty="0"/>
-              <a:t>Cleaning and extracting summary statistics from the bike station data was difficult.  We used many SQL like operations in R to get this data</a:t>
+              <a:t>We had to put all the sources in one place. We had about 9 different sources of data.</a:t>
             </a:r>
           </a:p>
           <a:p>
             <a:r>
               <a:rPr lang="en-CA" dirty="0"/>
-              <a:t>We had several sources of data instead of one CSV file. This increased the complexity of the schema design. We were hoping that there will would be an unique identifier for location of objects like St number and St Name. However this identifier was not common and some had unexpected formats for address. We used IDs as keys in some places to work around this issue.</a:t>
+              <a:t> Cleaning and extracting summary statistics from the bike station data was difficult.  We used many methods in R to get this data cleaned and usable.</a:t>
+            </a:r>
+          </a:p>
+          <a:p>
+            <a:r>
+              <a:rPr lang="en-CA" dirty="0"/>
+              <a:t>We had several sources of data instead of one CSV file. This increased the complexity of the schema design. We were hoping that there will would be an unique identifier for location of objects like St number and St Name.</a:t>
+            </a:r>
+          </a:p>
+          <a:p>
+            <a:pPr lvl="1"/>
+            <a:r>
+              <a:rPr lang="en-CA" dirty="0"/>
+              <a:t> However this identifier was not common and some had unexpected formats for address. We used IDs as keys in some places to work around this issue.</a:t>
+            </a:r>
+          </a:p>
+          <a:p>
+            <a:pPr lvl="1"/>
+            <a:r>
+              <a:rPr lang="en-CA" dirty="0"/>
+              <a:t>Difficulties with bike station data.</a:t>
             </a:r>
           </a:p>
         </p:txBody>
@@ -7482,6 +8588,135 @@
                                           <p:spTgt spid="3">
                                             <p:txEl>
                                               <p:pRg st="1" end="1"/>
+                                            </p:txEl>
+                                          </p:spTgt>
+                                        </p:tgtEl>
+                                        <p:attrNameLst>
+                                          <p:attrName>style.visibility</p:attrName>
+                                        </p:attrNameLst>
+                                      </p:cBhvr>
+                                      <p:to>
+                                        <p:strVal val="visible"/>
+                                      </p:to>
+                                    </p:set>
+                                  </p:childTnLst>
+                                </p:cTn>
+                              </p:par>
+                            </p:childTnLst>
+                          </p:cTn>
+                        </p:par>
+                      </p:childTnLst>
+                    </p:cTn>
+                  </p:par>
+                  <p:par>
+                    <p:cTn id="11" fill="hold">
+                      <p:stCondLst>
+                        <p:cond delay="indefinite"/>
+                      </p:stCondLst>
+                      <p:childTnLst>
+                        <p:par>
+                          <p:cTn id="12" fill="hold">
+                            <p:stCondLst>
+                              <p:cond delay="0"/>
+                            </p:stCondLst>
+                            <p:childTnLst>
+                              <p:par>
+                                <p:cTn id="13" presetID="1" presetClass="entr" presetSubtype="0" fill="hold" nodeType="clickEffect">
+                                  <p:stCondLst>
+                                    <p:cond delay="0"/>
+                                  </p:stCondLst>
+                                  <p:childTnLst>
+                                    <p:set>
+                                      <p:cBhvr>
+                                        <p:cTn id="14" dur="1" fill="hold">
+                                          <p:stCondLst>
+                                            <p:cond delay="0"/>
+                                          </p:stCondLst>
+                                        </p:cTn>
+                                        <p:tgtEl>
+                                          <p:spTgt spid="3">
+                                            <p:txEl>
+                                              <p:pRg st="2" end="2"/>
+                                            </p:txEl>
+                                          </p:spTgt>
+                                        </p:tgtEl>
+                                        <p:attrNameLst>
+                                          <p:attrName>style.visibility</p:attrName>
+                                        </p:attrNameLst>
+                                      </p:cBhvr>
+                                      <p:to>
+                                        <p:strVal val="visible"/>
+                                      </p:to>
+                                    </p:set>
+                                  </p:childTnLst>
+                                </p:cTn>
+                              </p:par>
+                            </p:childTnLst>
+                          </p:cTn>
+                        </p:par>
+                      </p:childTnLst>
+                    </p:cTn>
+                  </p:par>
+                  <p:par>
+                    <p:cTn id="15" fill="hold">
+                      <p:stCondLst>
+                        <p:cond delay="indefinite"/>
+                      </p:stCondLst>
+                      <p:childTnLst>
+                        <p:par>
+                          <p:cTn id="16" fill="hold">
+                            <p:stCondLst>
+                              <p:cond delay="0"/>
+                            </p:stCondLst>
+                            <p:childTnLst>
+                              <p:par>
+                                <p:cTn id="17" presetID="1" presetClass="entr" presetSubtype="0" fill="hold" nodeType="clickEffect">
+                                  <p:stCondLst>
+                                    <p:cond delay="0"/>
+                                  </p:stCondLst>
+                                  <p:childTnLst>
+                                    <p:set>
+                                      <p:cBhvr>
+                                        <p:cTn id="18" dur="1" fill="hold">
+                                          <p:stCondLst>
+                                            <p:cond delay="0"/>
+                                          </p:stCondLst>
+                                        </p:cTn>
+                                        <p:tgtEl>
+                                          <p:spTgt spid="3">
+                                            <p:txEl>
+                                              <p:pRg st="3" end="3"/>
+                                            </p:txEl>
+                                          </p:spTgt>
+                                        </p:tgtEl>
+                                        <p:attrNameLst>
+                                          <p:attrName>style.visibility</p:attrName>
+                                        </p:attrNameLst>
+                                      </p:cBhvr>
+                                      <p:to>
+                                        <p:strVal val="visible"/>
+                                      </p:to>
+                                    </p:set>
+                                  </p:childTnLst>
+                                </p:cTn>
+                              </p:par>
+                              <p:par>
+                                <p:cTn id="19" presetID="1" presetClass="entr" presetSubtype="0" fill="hold" nodeType="withEffect">
+                                  <p:stCondLst>
+                                    <p:cond delay="0"/>
+                                  </p:stCondLst>
+                                  <p:childTnLst>
+                                    <p:set>
+                                      <p:cBhvr>
+                                        <p:cTn id="20" dur="1" fill="hold">
+                                          <p:stCondLst>
+                                            <p:cond delay="0"/>
+                                          </p:stCondLst>
+                                        </p:cTn>
+                                        <p:tgtEl>
+                                          <p:spTgt spid="3">
+                                            <p:txEl>
+                                              <p:pRg st="4" end="4"/>
                                             </p:txEl>
                                           </p:spTgt>
                                         </p:tgtEl>
